--- a/cmsc125/ostep/slides/02.Concurrency/26.Concurrency_An_Introduction.pptx
+++ b/cmsc125/ostep/slides/02.Concurrency/26.Concurrency_An_Introduction.pptx
@@ -5,7 +5,7 @@
     <p:sldMasterId id="2147483670" r:id="rId1"/>
   </p:sldMasterIdLst>
   <p:notesMasterIdLst>
-    <p:notesMasterId r:id="rId12"/>
+    <p:notesMasterId r:id="rId21"/>
   </p:notesMasterIdLst>
   <p:sldIdLst>
     <p:sldId id="298" r:id="rId2"/>
@@ -15,9 +15,18 @@
     <p:sldId id="270" r:id="rId6"/>
     <p:sldId id="271" r:id="rId7"/>
     <p:sldId id="272" r:id="rId8"/>
-    <p:sldId id="273" r:id="rId9"/>
-    <p:sldId id="274" r:id="rId10"/>
-    <p:sldId id="275" r:id="rId11"/>
+    <p:sldId id="300" r:id="rId9"/>
+    <p:sldId id="301" r:id="rId10"/>
+    <p:sldId id="302" r:id="rId11"/>
+    <p:sldId id="303" r:id="rId12"/>
+    <p:sldId id="304" r:id="rId13"/>
+    <p:sldId id="305" r:id="rId14"/>
+    <p:sldId id="306" r:id="rId15"/>
+    <p:sldId id="307" r:id="rId16"/>
+    <p:sldId id="273" r:id="rId17"/>
+    <p:sldId id="274" r:id="rId18"/>
+    <p:sldId id="275" r:id="rId19"/>
+    <p:sldId id="308" r:id="rId20"/>
   </p:sldIdLst>
   <p:sldSz cx="12192000" cy="6858000"/>
   <p:notesSz cx="6797675" cy="9928225"/>
@@ -247,7 +256,7 @@
           <a:p>
             <a:fld id="{050F0499-AE52-4672-879B-3107B2FC2A9F}" type="datetimeFigureOut">
               <a:rPr lang="ko-KR" altLang="en-US" smtClean="0"/>
-              <a:t>2021-07-21</a:t>
+              <a:t>2021-11-17</a:t>
             </a:fld>
             <a:endParaRPr lang="ko-KR" altLang="en-US"/>
           </a:p>
@@ -1743,6 +1752,885 @@
       </p:grpSpPr>
       <p:sp>
         <p:nvSpPr>
+          <p:cNvPr id="3" name="Title 2">
+            <a:extLst>
+              <a:ext uri="{FF2B5EF4-FFF2-40B4-BE49-F238E27FC236}">
+                <a16:creationId xmlns:a16="http://schemas.microsoft.com/office/drawing/2014/main" id="{C011B53C-07B5-4352-AB7B-C4FC15511915}"/>
+              </a:ext>
+            </a:extLst>
+          </p:cNvPr>
+          <p:cNvSpPr>
+            <a:spLocks noGrp="1"/>
+          </p:cNvSpPr>
+          <p:nvPr>
+            <p:ph type="title"/>
+          </p:nvPr>
+        </p:nvSpPr>
+        <p:spPr/>
+        <p:txBody>
+          <a:bodyPr/>
+          <a:lstStyle/>
+          <a:p>
+            <a:r>
+              <a:rPr lang="en-US" dirty="0"/>
+              <a:t>Thread Creation Example: Possible Execution Path 1</a:t>
+            </a:r>
+            <a:endParaRPr lang="en-PH" dirty="0"/>
+          </a:p>
+        </p:txBody>
+      </p:sp>
+      <p:sp>
+        <p:nvSpPr>
+          <p:cNvPr id="4" name="Content Placeholder 3">
+            <a:extLst>
+              <a:ext uri="{FF2B5EF4-FFF2-40B4-BE49-F238E27FC236}">
+                <a16:creationId xmlns:a16="http://schemas.microsoft.com/office/drawing/2014/main" id="{3FC5F221-B84D-4FE5-8915-63D960AB1FAC}"/>
+              </a:ext>
+            </a:extLst>
+          </p:cNvPr>
+          <p:cNvSpPr>
+            <a:spLocks noGrp="1"/>
+          </p:cNvSpPr>
+          <p:nvPr>
+            <p:ph idx="1"/>
+          </p:nvPr>
+        </p:nvSpPr>
+        <p:spPr/>
+        <p:txBody>
+          <a:bodyPr/>
+          <a:lstStyle/>
+          <a:p>
+            <a:endParaRPr lang="en-PH"/>
+          </a:p>
+        </p:txBody>
+      </p:sp>
+      <p:pic>
+        <p:nvPicPr>
+          <p:cNvPr id="6" name="Picture 5">
+            <a:extLst>
+              <a:ext uri="{FF2B5EF4-FFF2-40B4-BE49-F238E27FC236}">
+                <a16:creationId xmlns:a16="http://schemas.microsoft.com/office/drawing/2014/main" id="{63E50C75-93D1-4144-8AA7-0798E7A201BC}"/>
+              </a:ext>
+            </a:extLst>
+          </p:cNvPr>
+          <p:cNvPicPr>
+            <a:picLocks noChangeAspect="1"/>
+          </p:cNvPicPr>
+          <p:nvPr/>
+        </p:nvPicPr>
+        <p:blipFill>
+          <a:blip r:embed="rId2"/>
+          <a:stretch>
+            <a:fillRect/>
+          </a:stretch>
+        </p:blipFill>
+        <p:spPr>
+          <a:xfrm>
+            <a:off x="3190875" y="1668549"/>
+            <a:ext cx="5905500" cy="3924300"/>
+          </a:xfrm>
+          <a:prstGeom prst="rect">
+            <a:avLst/>
+          </a:prstGeom>
+        </p:spPr>
+      </p:pic>
+    </p:spTree>
+    <p:extLst>
+      <p:ext uri="{BB962C8B-B14F-4D97-AF65-F5344CB8AC3E}">
+        <p14:creationId xmlns:p14="http://schemas.microsoft.com/office/powerpoint/2010/main" val="2390060624"/>
+      </p:ext>
+    </p:extLst>
+  </p:cSld>
+  <p:clrMapOvr>
+    <a:masterClrMapping/>
+  </p:clrMapOvr>
+  <p:transition>
+    <p:zoom/>
+  </p:transition>
+</p:sld>
+</file>
+
+<file path=ppt/slides/slide11.xml><?xml version="1.0" encoding="utf-8"?>
+<p:sld xmlns:a="http://schemas.openxmlformats.org/drawingml/2006/main" xmlns:r="http://schemas.openxmlformats.org/officeDocument/2006/relationships" xmlns:p="http://schemas.openxmlformats.org/presentationml/2006/main">
+  <p:cSld>
+    <p:spTree>
+      <p:nvGrpSpPr>
+        <p:cNvPr id="1" name=""/>
+        <p:cNvGrpSpPr/>
+        <p:nvPr/>
+      </p:nvGrpSpPr>
+      <p:grpSpPr>
+        <a:xfrm>
+          <a:off x="0" y="0"/>
+          <a:ext cx="0" cy="0"/>
+          <a:chOff x="0" y="0"/>
+          <a:chExt cx="0" cy="0"/>
+        </a:xfrm>
+      </p:grpSpPr>
+      <p:sp>
+        <p:nvSpPr>
+          <p:cNvPr id="3" name="Title 2">
+            <a:extLst>
+              <a:ext uri="{FF2B5EF4-FFF2-40B4-BE49-F238E27FC236}">
+                <a16:creationId xmlns:a16="http://schemas.microsoft.com/office/drawing/2014/main" id="{C011B53C-07B5-4352-AB7B-C4FC15511915}"/>
+              </a:ext>
+            </a:extLst>
+          </p:cNvPr>
+          <p:cNvSpPr>
+            <a:spLocks noGrp="1"/>
+          </p:cNvSpPr>
+          <p:nvPr>
+            <p:ph type="title"/>
+          </p:nvPr>
+        </p:nvSpPr>
+        <p:spPr/>
+        <p:txBody>
+          <a:bodyPr/>
+          <a:lstStyle/>
+          <a:p>
+            <a:r>
+              <a:rPr lang="en-US" dirty="0"/>
+              <a:t>Thread Creation Example: Possible Execution Path 2</a:t>
+            </a:r>
+            <a:endParaRPr lang="en-PH" dirty="0"/>
+          </a:p>
+        </p:txBody>
+      </p:sp>
+      <p:sp>
+        <p:nvSpPr>
+          <p:cNvPr id="4" name="Content Placeholder 3">
+            <a:extLst>
+              <a:ext uri="{FF2B5EF4-FFF2-40B4-BE49-F238E27FC236}">
+                <a16:creationId xmlns:a16="http://schemas.microsoft.com/office/drawing/2014/main" id="{3FC5F221-B84D-4FE5-8915-63D960AB1FAC}"/>
+              </a:ext>
+            </a:extLst>
+          </p:cNvPr>
+          <p:cNvSpPr>
+            <a:spLocks noGrp="1"/>
+          </p:cNvSpPr>
+          <p:nvPr>
+            <p:ph idx="1"/>
+          </p:nvPr>
+        </p:nvSpPr>
+        <p:spPr/>
+        <p:txBody>
+          <a:bodyPr/>
+          <a:lstStyle/>
+          <a:p>
+            <a:endParaRPr lang="en-PH"/>
+          </a:p>
+        </p:txBody>
+      </p:sp>
+      <p:pic>
+        <p:nvPicPr>
+          <p:cNvPr id="5" name="Picture 4">
+            <a:extLst>
+              <a:ext uri="{FF2B5EF4-FFF2-40B4-BE49-F238E27FC236}">
+                <a16:creationId xmlns:a16="http://schemas.microsoft.com/office/drawing/2014/main" id="{CAA0CB17-8FAF-4909-A5CF-6D7E6132A711}"/>
+              </a:ext>
+            </a:extLst>
+          </p:cNvPr>
+          <p:cNvPicPr>
+            <a:picLocks noChangeAspect="1"/>
+          </p:cNvPicPr>
+          <p:nvPr/>
+        </p:nvPicPr>
+        <p:blipFill>
+          <a:blip r:embed="rId2"/>
+          <a:stretch>
+            <a:fillRect/>
+          </a:stretch>
+        </p:blipFill>
+        <p:spPr>
+          <a:xfrm>
+            <a:off x="3052762" y="1181100"/>
+            <a:ext cx="6086475" cy="4495800"/>
+          </a:xfrm>
+          <a:prstGeom prst="rect">
+            <a:avLst/>
+          </a:prstGeom>
+        </p:spPr>
+      </p:pic>
+    </p:spTree>
+    <p:extLst>
+      <p:ext uri="{BB962C8B-B14F-4D97-AF65-F5344CB8AC3E}">
+        <p14:creationId xmlns:p14="http://schemas.microsoft.com/office/powerpoint/2010/main" val="1532487282"/>
+      </p:ext>
+    </p:extLst>
+  </p:cSld>
+  <p:clrMapOvr>
+    <a:masterClrMapping/>
+  </p:clrMapOvr>
+  <p:transition>
+    <p:zoom/>
+  </p:transition>
+</p:sld>
+</file>
+
+<file path=ppt/slides/slide12.xml><?xml version="1.0" encoding="utf-8"?>
+<p:sld xmlns:a="http://schemas.openxmlformats.org/drawingml/2006/main" xmlns:r="http://schemas.openxmlformats.org/officeDocument/2006/relationships" xmlns:p="http://schemas.openxmlformats.org/presentationml/2006/main">
+  <p:cSld>
+    <p:spTree>
+      <p:nvGrpSpPr>
+        <p:cNvPr id="1" name=""/>
+        <p:cNvGrpSpPr/>
+        <p:nvPr/>
+      </p:nvGrpSpPr>
+      <p:grpSpPr>
+        <a:xfrm>
+          <a:off x="0" y="0"/>
+          <a:ext cx="0" cy="0"/>
+          <a:chOff x="0" y="0"/>
+          <a:chExt cx="0" cy="0"/>
+        </a:xfrm>
+      </p:grpSpPr>
+      <p:sp>
+        <p:nvSpPr>
+          <p:cNvPr id="3" name="Title 2">
+            <a:extLst>
+              <a:ext uri="{FF2B5EF4-FFF2-40B4-BE49-F238E27FC236}">
+                <a16:creationId xmlns:a16="http://schemas.microsoft.com/office/drawing/2014/main" id="{C011B53C-07B5-4352-AB7B-C4FC15511915}"/>
+              </a:ext>
+            </a:extLst>
+          </p:cNvPr>
+          <p:cNvSpPr>
+            <a:spLocks noGrp="1"/>
+          </p:cNvSpPr>
+          <p:nvPr>
+            <p:ph type="title"/>
+          </p:nvPr>
+        </p:nvSpPr>
+        <p:spPr/>
+        <p:txBody>
+          <a:bodyPr/>
+          <a:lstStyle/>
+          <a:p>
+            <a:r>
+              <a:rPr lang="en-US" dirty="0"/>
+              <a:t>Thread Creation Example: Possible Execution Path 3</a:t>
+            </a:r>
+            <a:endParaRPr lang="en-PH" dirty="0"/>
+          </a:p>
+        </p:txBody>
+      </p:sp>
+      <p:sp>
+        <p:nvSpPr>
+          <p:cNvPr id="4" name="Content Placeholder 3">
+            <a:extLst>
+              <a:ext uri="{FF2B5EF4-FFF2-40B4-BE49-F238E27FC236}">
+                <a16:creationId xmlns:a16="http://schemas.microsoft.com/office/drawing/2014/main" id="{3FC5F221-B84D-4FE5-8915-63D960AB1FAC}"/>
+              </a:ext>
+            </a:extLst>
+          </p:cNvPr>
+          <p:cNvSpPr>
+            <a:spLocks noGrp="1"/>
+          </p:cNvSpPr>
+          <p:nvPr>
+            <p:ph idx="1"/>
+          </p:nvPr>
+        </p:nvSpPr>
+        <p:spPr/>
+        <p:txBody>
+          <a:bodyPr/>
+          <a:lstStyle/>
+          <a:p>
+            <a:endParaRPr lang="en-PH"/>
+          </a:p>
+        </p:txBody>
+      </p:sp>
+      <p:pic>
+        <p:nvPicPr>
+          <p:cNvPr id="6" name="Picture 5">
+            <a:extLst>
+              <a:ext uri="{FF2B5EF4-FFF2-40B4-BE49-F238E27FC236}">
+                <a16:creationId xmlns:a16="http://schemas.microsoft.com/office/drawing/2014/main" id="{01B79318-AA54-4B81-AD0C-2812E5AE3368}"/>
+              </a:ext>
+            </a:extLst>
+          </p:cNvPr>
+          <p:cNvPicPr>
+            <a:picLocks noChangeAspect="1"/>
+          </p:cNvPicPr>
+          <p:nvPr/>
+        </p:nvPicPr>
+        <p:blipFill>
+          <a:blip r:embed="rId2"/>
+          <a:stretch>
+            <a:fillRect/>
+          </a:stretch>
+        </p:blipFill>
+        <p:spPr>
+          <a:xfrm>
+            <a:off x="2909887" y="1371600"/>
+            <a:ext cx="6372225" cy="4114800"/>
+          </a:xfrm>
+          <a:prstGeom prst="rect">
+            <a:avLst/>
+          </a:prstGeom>
+        </p:spPr>
+      </p:pic>
+    </p:spTree>
+    <p:extLst>
+      <p:ext uri="{BB962C8B-B14F-4D97-AF65-F5344CB8AC3E}">
+        <p14:creationId xmlns:p14="http://schemas.microsoft.com/office/powerpoint/2010/main" val="687847660"/>
+      </p:ext>
+    </p:extLst>
+  </p:cSld>
+  <p:clrMapOvr>
+    <a:masterClrMapping/>
+  </p:clrMapOvr>
+  <p:transition>
+    <p:zoom/>
+  </p:transition>
+</p:sld>
+</file>
+
+<file path=ppt/slides/slide13.xml><?xml version="1.0" encoding="utf-8"?>
+<p:sld xmlns:a="http://schemas.openxmlformats.org/drawingml/2006/main" xmlns:r="http://schemas.openxmlformats.org/officeDocument/2006/relationships" xmlns:p="http://schemas.openxmlformats.org/presentationml/2006/main">
+  <p:cSld>
+    <p:spTree>
+      <p:nvGrpSpPr>
+        <p:cNvPr id="1" name=""/>
+        <p:cNvGrpSpPr/>
+        <p:nvPr/>
+      </p:nvGrpSpPr>
+      <p:grpSpPr>
+        <a:xfrm>
+          <a:off x="0" y="0"/>
+          <a:ext cx="0" cy="0"/>
+          <a:chOff x="0" y="0"/>
+          <a:chExt cx="0" cy="0"/>
+        </a:xfrm>
+      </p:grpSpPr>
+      <p:sp>
+        <p:nvSpPr>
+          <p:cNvPr id="3" name="Title 2">
+            <a:extLst>
+              <a:ext uri="{FF2B5EF4-FFF2-40B4-BE49-F238E27FC236}">
+                <a16:creationId xmlns:a16="http://schemas.microsoft.com/office/drawing/2014/main" id="{C011B53C-07B5-4352-AB7B-C4FC15511915}"/>
+              </a:ext>
+            </a:extLst>
+          </p:cNvPr>
+          <p:cNvSpPr>
+            <a:spLocks noGrp="1"/>
+          </p:cNvSpPr>
+          <p:nvPr>
+            <p:ph type="title"/>
+          </p:nvPr>
+        </p:nvSpPr>
+        <p:spPr/>
+        <p:txBody>
+          <a:bodyPr/>
+          <a:lstStyle/>
+          <a:p>
+            <a:r>
+              <a:rPr lang="en-US" dirty="0"/>
+              <a:t>Why So Many Possible Execution Paths?</a:t>
+            </a:r>
+            <a:endParaRPr lang="en-PH" dirty="0"/>
+          </a:p>
+        </p:txBody>
+      </p:sp>
+      <p:sp>
+        <p:nvSpPr>
+          <p:cNvPr id="4" name="Content Placeholder 3">
+            <a:extLst>
+              <a:ext uri="{FF2B5EF4-FFF2-40B4-BE49-F238E27FC236}">
+                <a16:creationId xmlns:a16="http://schemas.microsoft.com/office/drawing/2014/main" id="{3FC5F221-B84D-4FE5-8915-63D960AB1FAC}"/>
+              </a:ext>
+            </a:extLst>
+          </p:cNvPr>
+          <p:cNvSpPr>
+            <a:spLocks noGrp="1"/>
+          </p:cNvSpPr>
+          <p:nvPr>
+            <p:ph idx="1"/>
+          </p:nvPr>
+        </p:nvSpPr>
+        <p:spPr/>
+        <p:txBody>
+          <a:bodyPr/>
+          <a:lstStyle/>
+          <a:p>
+            <a:r>
+              <a:rPr lang="en-US" dirty="0"/>
+              <a:t>Depends on the thread scheduler! </a:t>
+            </a:r>
+            <a:endParaRPr lang="en-PH" dirty="0"/>
+          </a:p>
+        </p:txBody>
+      </p:sp>
+    </p:spTree>
+    <p:extLst>
+      <p:ext uri="{BB962C8B-B14F-4D97-AF65-F5344CB8AC3E}">
+        <p14:creationId xmlns:p14="http://schemas.microsoft.com/office/powerpoint/2010/main" val="2304704042"/>
+      </p:ext>
+    </p:extLst>
+  </p:cSld>
+  <p:clrMapOvr>
+    <a:masterClrMapping/>
+  </p:clrMapOvr>
+  <p:transition>
+    <p:zoom/>
+  </p:transition>
+</p:sld>
+</file>
+
+<file path=ppt/slides/slide14.xml><?xml version="1.0" encoding="utf-8"?>
+<p:sld xmlns:a="http://schemas.openxmlformats.org/drawingml/2006/main" xmlns:r="http://schemas.openxmlformats.org/officeDocument/2006/relationships" xmlns:p="http://schemas.openxmlformats.org/presentationml/2006/main">
+  <p:cSld>
+    <p:spTree>
+      <p:nvGrpSpPr>
+        <p:cNvPr id="1" name=""/>
+        <p:cNvGrpSpPr/>
+        <p:nvPr/>
+      </p:nvGrpSpPr>
+      <p:grpSpPr>
+        <a:xfrm>
+          <a:off x="0" y="0"/>
+          <a:ext cx="0" cy="0"/>
+          <a:chOff x="0" y="0"/>
+          <a:chExt cx="0" cy="0"/>
+        </a:xfrm>
+      </p:grpSpPr>
+      <p:sp>
+        <p:nvSpPr>
+          <p:cNvPr id="3" name="Title 2">
+            <a:extLst>
+              <a:ext uri="{FF2B5EF4-FFF2-40B4-BE49-F238E27FC236}">
+                <a16:creationId xmlns:a16="http://schemas.microsoft.com/office/drawing/2014/main" id="{C011B53C-07B5-4352-AB7B-C4FC15511915}"/>
+              </a:ext>
+            </a:extLst>
+          </p:cNvPr>
+          <p:cNvSpPr>
+            <a:spLocks noGrp="1"/>
+          </p:cNvSpPr>
+          <p:nvPr>
+            <p:ph type="title"/>
+          </p:nvPr>
+        </p:nvSpPr>
+        <p:spPr/>
+        <p:txBody>
+          <a:bodyPr/>
+          <a:lstStyle/>
+          <a:p>
+            <a:r>
+              <a:rPr lang="en-US" dirty="0"/>
+              <a:t>Shared Data Example</a:t>
+            </a:r>
+            <a:endParaRPr lang="en-PH" dirty="0"/>
+          </a:p>
+        </p:txBody>
+      </p:sp>
+      <p:sp>
+        <p:nvSpPr>
+          <p:cNvPr id="4" name="Content Placeholder 3">
+            <a:extLst>
+              <a:ext uri="{FF2B5EF4-FFF2-40B4-BE49-F238E27FC236}">
+                <a16:creationId xmlns:a16="http://schemas.microsoft.com/office/drawing/2014/main" id="{3FC5F221-B84D-4FE5-8915-63D960AB1FAC}"/>
+              </a:ext>
+            </a:extLst>
+          </p:cNvPr>
+          <p:cNvSpPr>
+            <a:spLocks noGrp="1"/>
+          </p:cNvSpPr>
+          <p:nvPr>
+            <p:ph idx="1"/>
+          </p:nvPr>
+        </p:nvSpPr>
+        <p:spPr/>
+        <p:txBody>
+          <a:bodyPr/>
+          <a:lstStyle/>
+          <a:p>
+            <a:r>
+              <a:rPr lang="en-US" dirty="0"/>
+              <a:t>Further complicates things because data inconsistencies can happen</a:t>
+            </a:r>
+            <a:endParaRPr lang="en-PH" dirty="0"/>
+          </a:p>
+        </p:txBody>
+      </p:sp>
+      <p:pic>
+        <p:nvPicPr>
+          <p:cNvPr id="5" name="Picture 4">
+            <a:extLst>
+              <a:ext uri="{FF2B5EF4-FFF2-40B4-BE49-F238E27FC236}">
+                <a16:creationId xmlns:a16="http://schemas.microsoft.com/office/drawing/2014/main" id="{FFCCB199-1125-43C3-A57B-CC2BE2380CC5}"/>
+              </a:ext>
+            </a:extLst>
+          </p:cNvPr>
+          <p:cNvPicPr>
+            <a:picLocks noChangeAspect="1"/>
+          </p:cNvPicPr>
+          <p:nvPr/>
+        </p:nvPicPr>
+        <p:blipFill>
+          <a:blip r:embed="rId2"/>
+          <a:stretch>
+            <a:fillRect/>
+          </a:stretch>
+        </p:blipFill>
+        <p:spPr>
+          <a:xfrm>
+            <a:off x="1775520" y="1411286"/>
+            <a:ext cx="6191250" cy="5391150"/>
+          </a:xfrm>
+          <a:prstGeom prst="rect">
+            <a:avLst/>
+          </a:prstGeom>
+        </p:spPr>
+      </p:pic>
+      <p:pic>
+        <p:nvPicPr>
+          <p:cNvPr id="7" name="Picture 6">
+            <a:extLst>
+              <a:ext uri="{FF2B5EF4-FFF2-40B4-BE49-F238E27FC236}">
+                <a16:creationId xmlns:a16="http://schemas.microsoft.com/office/drawing/2014/main" id="{449F6956-B583-47E5-BA49-EDA83C68BD32}"/>
+              </a:ext>
+            </a:extLst>
+          </p:cNvPr>
+          <p:cNvPicPr>
+            <a:picLocks noChangeAspect="1"/>
+          </p:cNvPicPr>
+          <p:nvPr/>
+        </p:nvPicPr>
+        <p:blipFill>
+          <a:blip r:embed="rId3"/>
+          <a:stretch>
+            <a:fillRect/>
+          </a:stretch>
+        </p:blipFill>
+        <p:spPr>
+          <a:xfrm>
+            <a:off x="8400256" y="5166677"/>
+            <a:ext cx="2805583" cy="811253"/>
+          </a:xfrm>
+          <a:prstGeom prst="rect">
+            <a:avLst/>
+          </a:prstGeom>
+        </p:spPr>
+      </p:pic>
+      <p:sp>
+        <p:nvSpPr>
+          <p:cNvPr id="8" name="Arrow: Right 7">
+            <a:extLst>
+              <a:ext uri="{FF2B5EF4-FFF2-40B4-BE49-F238E27FC236}">
+                <a16:creationId xmlns:a16="http://schemas.microsoft.com/office/drawing/2014/main" id="{BD296187-AF70-4E5C-AD62-F5ECBC3DB015}"/>
+              </a:ext>
+            </a:extLst>
+          </p:cNvPr>
+          <p:cNvSpPr/>
+          <p:nvPr/>
+        </p:nvSpPr>
+        <p:spPr>
+          <a:xfrm>
+            <a:off x="6528048" y="5572303"/>
+            <a:ext cx="1728192" cy="160953"/>
+          </a:xfrm>
+          <a:prstGeom prst="rightArrow">
+            <a:avLst/>
+          </a:prstGeom>
+          <a:solidFill>
+            <a:schemeClr val="bg1"/>
+          </a:solidFill>
+          <a:ln w="9525">
+            <a:solidFill>
+              <a:schemeClr val="tx1"/>
+            </a:solidFill>
+          </a:ln>
+        </p:spPr>
+        <p:style>
+          <a:lnRef idx="3">
+            <a:schemeClr val="lt1"/>
+          </a:lnRef>
+          <a:fillRef idx="1">
+            <a:schemeClr val="accent1"/>
+          </a:fillRef>
+          <a:effectRef idx="1">
+            <a:schemeClr val="accent1"/>
+          </a:effectRef>
+          <a:fontRef idx="minor">
+            <a:schemeClr val="lt1"/>
+          </a:fontRef>
+        </p:style>
+        <p:txBody>
+          <a:bodyPr lIns="252000" rtlCol="0" anchor="ctr"/>
+          <a:lstStyle/>
+          <a:p>
+            <a:pPr algn="ctr"/>
+            <a:endParaRPr lang="en-PH" sz="1600" dirty="0">
+              <a:solidFill>
+                <a:srgbClr val="00B050"/>
+              </a:solidFill>
+              <a:latin typeface="Courier New" pitchFamily="49" charset="0"/>
+              <a:ea typeface="맑은 고딕" pitchFamily="50" charset="-127"/>
+              <a:cs typeface="Courier New" pitchFamily="49" charset="0"/>
+            </a:endParaRPr>
+          </a:p>
+        </p:txBody>
+      </p:sp>
+      <p:sp>
+        <p:nvSpPr>
+          <p:cNvPr id="9" name="TextBox 8">
+            <a:extLst>
+              <a:ext uri="{FF2B5EF4-FFF2-40B4-BE49-F238E27FC236}">
+                <a16:creationId xmlns:a16="http://schemas.microsoft.com/office/drawing/2014/main" id="{2BED0E09-50C0-4850-84E5-7F8CC19E7D5F}"/>
+              </a:ext>
+            </a:extLst>
+          </p:cNvPr>
+          <p:cNvSpPr txBox="1"/>
+          <p:nvPr/>
+        </p:nvSpPr>
+        <p:spPr>
+          <a:xfrm>
+            <a:off x="6626345" y="5373216"/>
+            <a:ext cx="1629895" cy="369332"/>
+          </a:xfrm>
+          <a:prstGeom prst="rect">
+            <a:avLst/>
+          </a:prstGeom>
+          <a:noFill/>
+        </p:spPr>
+        <p:txBody>
+          <a:bodyPr wrap="square" rtlCol="0">
+            <a:spAutoFit/>
+          </a:bodyPr>
+          <a:lstStyle/>
+          <a:p>
+            <a:r>
+              <a:rPr lang="en-US" dirty="0">
+                <a:solidFill>
+                  <a:srgbClr val="FF0000"/>
+                </a:solidFill>
+                <a:latin typeface="Oswald" pitchFamily="2" charset="0"/>
+              </a:rPr>
+              <a:t>Critical Section</a:t>
+            </a:r>
+            <a:endParaRPr lang="en-PH" dirty="0">
+              <a:solidFill>
+                <a:srgbClr val="FF0000"/>
+              </a:solidFill>
+              <a:latin typeface="Oswald" pitchFamily="2" charset="0"/>
+            </a:endParaRPr>
+          </a:p>
+        </p:txBody>
+      </p:sp>
+    </p:spTree>
+    <p:extLst>
+      <p:ext uri="{BB962C8B-B14F-4D97-AF65-F5344CB8AC3E}">
+        <p14:creationId xmlns:p14="http://schemas.microsoft.com/office/powerpoint/2010/main" val="4138740030"/>
+      </p:ext>
+    </p:extLst>
+  </p:cSld>
+  <p:clrMapOvr>
+    <a:masterClrMapping/>
+  </p:clrMapOvr>
+  <p:transition>
+    <p:zoom/>
+  </p:transition>
+</p:sld>
+</file>
+
+<file path=ppt/slides/slide15.xml><?xml version="1.0" encoding="utf-8"?>
+<p:sld xmlns:a="http://schemas.openxmlformats.org/drawingml/2006/main" xmlns:r="http://schemas.openxmlformats.org/officeDocument/2006/relationships" xmlns:p="http://schemas.openxmlformats.org/presentationml/2006/main">
+  <p:cSld>
+    <p:spTree>
+      <p:nvGrpSpPr>
+        <p:cNvPr id="1" name=""/>
+        <p:cNvGrpSpPr/>
+        <p:nvPr/>
+      </p:nvGrpSpPr>
+      <p:grpSpPr>
+        <a:xfrm>
+          <a:off x="0" y="0"/>
+          <a:ext cx="0" cy="0"/>
+          <a:chOff x="0" y="0"/>
+          <a:chExt cx="0" cy="0"/>
+        </a:xfrm>
+      </p:grpSpPr>
+      <p:sp>
+        <p:nvSpPr>
+          <p:cNvPr id="3" name="Title 2">
+            <a:extLst>
+              <a:ext uri="{FF2B5EF4-FFF2-40B4-BE49-F238E27FC236}">
+                <a16:creationId xmlns:a16="http://schemas.microsoft.com/office/drawing/2014/main" id="{C011B53C-07B5-4352-AB7B-C4FC15511915}"/>
+              </a:ext>
+            </a:extLst>
+          </p:cNvPr>
+          <p:cNvSpPr>
+            <a:spLocks noGrp="1"/>
+          </p:cNvSpPr>
+          <p:nvPr>
+            <p:ph type="title"/>
+          </p:nvPr>
+        </p:nvSpPr>
+        <p:spPr/>
+        <p:txBody>
+          <a:bodyPr/>
+          <a:lstStyle/>
+          <a:p>
+            <a:r>
+              <a:rPr lang="en-US" dirty="0"/>
+              <a:t>Shared Data (Cont..)</a:t>
+            </a:r>
+            <a:endParaRPr lang="en-PH" dirty="0"/>
+          </a:p>
+        </p:txBody>
+      </p:sp>
+      <p:sp>
+        <p:nvSpPr>
+          <p:cNvPr id="4" name="Content Placeholder 3">
+            <a:extLst>
+              <a:ext uri="{FF2B5EF4-FFF2-40B4-BE49-F238E27FC236}">
+                <a16:creationId xmlns:a16="http://schemas.microsoft.com/office/drawing/2014/main" id="{3FC5F221-B84D-4FE5-8915-63D960AB1FAC}"/>
+              </a:ext>
+            </a:extLst>
+          </p:cNvPr>
+          <p:cNvSpPr>
+            <a:spLocks noGrp="1"/>
+          </p:cNvSpPr>
+          <p:nvPr>
+            <p:ph idx="1"/>
+          </p:nvPr>
+        </p:nvSpPr>
+        <p:spPr/>
+        <p:txBody>
+          <a:bodyPr/>
+          <a:lstStyle/>
+          <a:p>
+            <a:pPr marL="0" indent="0">
+              <a:buNone/>
+            </a:pPr>
+            <a:endParaRPr lang="en-PH" dirty="0"/>
+          </a:p>
+        </p:txBody>
+      </p:sp>
+      <p:pic>
+        <p:nvPicPr>
+          <p:cNvPr id="6" name="Picture 5">
+            <a:extLst>
+              <a:ext uri="{FF2B5EF4-FFF2-40B4-BE49-F238E27FC236}">
+                <a16:creationId xmlns:a16="http://schemas.microsoft.com/office/drawing/2014/main" id="{BDF0EFF9-7539-47B6-A85B-92C71710FA27}"/>
+              </a:ext>
+            </a:extLst>
+          </p:cNvPr>
+          <p:cNvPicPr>
+            <a:picLocks noChangeAspect="1"/>
+          </p:cNvPicPr>
+          <p:nvPr/>
+        </p:nvPicPr>
+        <p:blipFill>
+          <a:blip r:embed="rId2"/>
+          <a:stretch>
+            <a:fillRect/>
+          </a:stretch>
+        </p:blipFill>
+        <p:spPr>
+          <a:xfrm>
+            <a:off x="2495550" y="1484784"/>
+            <a:ext cx="7200900" cy="4591050"/>
+          </a:xfrm>
+          <a:prstGeom prst="rect">
+            <a:avLst/>
+          </a:prstGeom>
+        </p:spPr>
+      </p:pic>
+    </p:spTree>
+    <p:extLst>
+      <p:ext uri="{BB962C8B-B14F-4D97-AF65-F5344CB8AC3E}">
+        <p14:creationId xmlns:p14="http://schemas.microsoft.com/office/powerpoint/2010/main" val="670505451"/>
+      </p:ext>
+    </p:extLst>
+  </p:cSld>
+  <p:clrMapOvr>
+    <a:masterClrMapping/>
+  </p:clrMapOvr>
+  <p:transition>
+    <p:zoom/>
+  </p:transition>
+</p:sld>
+</file>
+
+<file path=ppt/slides/slide16.xml><?xml version="1.0" encoding="utf-8"?>
+<p:sld xmlns:a="http://schemas.openxmlformats.org/drawingml/2006/main" xmlns:r="http://schemas.openxmlformats.org/officeDocument/2006/relationships" xmlns:p="http://schemas.openxmlformats.org/presentationml/2006/main">
+  <p:cSld>
+    <p:spTree>
+      <p:nvGrpSpPr>
+        <p:cNvPr id="1" name=""/>
+        <p:cNvGrpSpPr/>
+        <p:nvPr/>
+      </p:nvGrpSpPr>
+      <p:grpSpPr>
+        <a:xfrm>
+          <a:off x="0" y="0"/>
+          <a:ext cx="0" cy="0"/>
+          <a:chOff x="0" y="0"/>
+          <a:chExt cx="0" cy="0"/>
+        </a:xfrm>
+      </p:grpSpPr>
+      <p:sp>
+        <p:nvSpPr>
+          <p:cNvPr id="31" name="내용 개체 틀 2"/>
+          <p:cNvSpPr>
+            <a:spLocks noGrp="1"/>
+          </p:cNvSpPr>
+          <p:nvPr>
+            <p:ph idx="1"/>
+          </p:nvPr>
+        </p:nvSpPr>
+        <p:spPr>
+          <a:xfrm>
+            <a:off x="1738313" y="880070"/>
+            <a:ext cx="8786812" cy="5501258"/>
+          </a:xfrm>
+        </p:spPr>
+        <p:txBody>
+          <a:bodyPr/>
+          <a:lstStyle/>
+          <a:p>
+            <a:r>
+              <a:rPr lang="en-US" altLang="ko-KR" dirty="0"/>
+              <a:t>The result depends on the execution path</a:t>
+            </a:r>
+          </a:p>
+          <a:p>
+            <a:r>
+              <a:rPr lang="en-US" altLang="ko-KR" dirty="0"/>
+              <a:t>Example with two threads</a:t>
+            </a:r>
+          </a:p>
+          <a:p>
+            <a:pPr lvl="1"/>
+            <a:r>
+              <a:rPr lang="en-US" altLang="ko-KR" dirty="0"/>
+              <a:t>counter = counter + 1 (initial is 50)</a:t>
+            </a:r>
+          </a:p>
+          <a:p>
+            <a:pPr lvl="1"/>
+            <a:r>
+              <a:rPr lang="en-US" altLang="ko-KR" dirty="0"/>
+              <a:t>We expect the result is </a:t>
+            </a:r>
+            <a:r>
+              <a:rPr lang="en-US" altLang="ko-KR" dirty="0">
+                <a:solidFill>
+                  <a:schemeClr val="accent6">
+                    <a:lumMod val="75000"/>
+                  </a:schemeClr>
+                </a:solidFill>
+              </a:rPr>
+              <a:t>52</a:t>
+            </a:r>
+            <a:r>
+              <a:rPr lang="en-US" altLang="ko-KR" dirty="0"/>
+              <a:t>. However,</a:t>
+            </a:r>
+          </a:p>
+        </p:txBody>
+      </p:sp>
+      <p:sp>
+        <p:nvSpPr>
           <p:cNvPr id="2" name="제목 1"/>
           <p:cNvSpPr>
             <a:spLocks noGrp="1"/>
@@ -1758,7 +2646,1532 @@
           <a:p>
             <a:r>
               <a:rPr lang="en-US" altLang="ko-KR" dirty="0"/>
-              <a:t>Locks</a:t>
+              <a:t>Race Condition</a:t>
+            </a:r>
+            <a:endParaRPr lang="ko-KR" altLang="en-US" dirty="0"/>
+          </a:p>
+        </p:txBody>
+      </p:sp>
+      <p:grpSp>
+        <p:nvGrpSpPr>
+          <p:cNvPr id="30" name="그룹 29"/>
+          <p:cNvGrpSpPr/>
+          <p:nvPr/>
+        </p:nvGrpSpPr>
+        <p:grpSpPr>
+          <a:xfrm>
+            <a:off x="2279576" y="2935477"/>
+            <a:ext cx="7488832" cy="3733883"/>
+            <a:chOff x="755576" y="2348880"/>
+            <a:chExt cx="7488832" cy="3733883"/>
+          </a:xfrm>
+        </p:grpSpPr>
+        <p:cxnSp>
+          <p:nvCxnSpPr>
+            <p:cNvPr id="7" name="직선 연결선 6"/>
+            <p:cNvCxnSpPr/>
+            <p:nvPr/>
+          </p:nvCxnSpPr>
+          <p:spPr>
+            <a:xfrm>
+              <a:off x="1043608" y="2894666"/>
+              <a:ext cx="7200800" cy="0"/>
+            </a:xfrm>
+            <a:prstGeom prst="line">
+              <a:avLst/>
+            </a:prstGeom>
+            <a:ln w="12700">
+              <a:solidFill>
+                <a:schemeClr val="tx1"/>
+              </a:solidFill>
+              <a:headEnd type="none" w="med" len="med"/>
+              <a:tailEnd type="none" w="med" len="med"/>
+            </a:ln>
+          </p:spPr>
+          <p:style>
+            <a:lnRef idx="1">
+              <a:schemeClr val="accent1"/>
+            </a:lnRef>
+            <a:fillRef idx="0">
+              <a:schemeClr val="accent1"/>
+            </a:fillRef>
+            <a:effectRef idx="0">
+              <a:schemeClr val="accent1"/>
+            </a:effectRef>
+            <a:fontRef idx="minor">
+              <a:schemeClr val="tx1"/>
+            </a:fontRef>
+          </p:style>
+        </p:cxnSp>
+        <p:sp>
+          <p:nvSpPr>
+            <p:cNvPr id="8" name="TextBox 7"/>
+            <p:cNvSpPr txBox="1"/>
+            <p:nvPr/>
+          </p:nvSpPr>
+          <p:spPr>
+            <a:xfrm>
+              <a:off x="996005" y="2556112"/>
+              <a:ext cx="455574" cy="338554"/>
+            </a:xfrm>
+            <a:prstGeom prst="rect">
+              <a:avLst/>
+            </a:prstGeom>
+            <a:noFill/>
+          </p:spPr>
+          <p:txBody>
+            <a:bodyPr wrap="none" rtlCol="0">
+              <a:spAutoFit/>
+            </a:bodyPr>
+            <a:lstStyle/>
+            <a:p>
+              <a:r>
+                <a:rPr lang="en-US" altLang="ko-KR" sz="1600" dirty="0">
+                  <a:solidFill>
+                    <a:prstClr val="black"/>
+                  </a:solidFill>
+                  <a:latin typeface="맑은 고딕" pitchFamily="50" charset="-127"/>
+                  <a:ea typeface="맑은 고딕" pitchFamily="50" charset="-127"/>
+                </a:rPr>
+                <a:t>OS</a:t>
+              </a:r>
+              <a:endParaRPr lang="ko-KR" altLang="en-US" sz="1600" dirty="0">
+                <a:solidFill>
+                  <a:prstClr val="black"/>
+                </a:solidFill>
+                <a:latin typeface="맑은 고딕" pitchFamily="50" charset="-127"/>
+                <a:ea typeface="맑은 고딕" pitchFamily="50" charset="-127"/>
+              </a:endParaRPr>
+            </a:p>
+          </p:txBody>
+        </p:sp>
+        <p:sp>
+          <p:nvSpPr>
+            <p:cNvPr id="9" name="TextBox 8"/>
+            <p:cNvSpPr txBox="1"/>
+            <p:nvPr/>
+          </p:nvSpPr>
+          <p:spPr>
+            <a:xfrm>
+              <a:off x="2411240" y="2556112"/>
+              <a:ext cx="936795" cy="338554"/>
+            </a:xfrm>
+            <a:prstGeom prst="rect">
+              <a:avLst/>
+            </a:prstGeom>
+            <a:noFill/>
+          </p:spPr>
+          <p:txBody>
+            <a:bodyPr wrap="none" rtlCol="0">
+              <a:spAutoFit/>
+            </a:bodyPr>
+            <a:lstStyle/>
+            <a:p>
+              <a:r>
+                <a:rPr lang="en-US" altLang="ko-KR" sz="1600" dirty="0">
+                  <a:solidFill>
+                    <a:prstClr val="black"/>
+                  </a:solidFill>
+                  <a:latin typeface="맑은 고딕" pitchFamily="50" charset="-127"/>
+                  <a:ea typeface="맑은 고딕" pitchFamily="50" charset="-127"/>
+                </a:rPr>
+                <a:t>Thread1</a:t>
+              </a:r>
+              <a:endParaRPr lang="ko-KR" altLang="en-US" sz="1600" dirty="0">
+                <a:solidFill>
+                  <a:prstClr val="black"/>
+                </a:solidFill>
+                <a:latin typeface="맑은 고딕" pitchFamily="50" charset="-127"/>
+                <a:ea typeface="맑은 고딕" pitchFamily="50" charset="-127"/>
+              </a:endParaRPr>
+            </a:p>
+          </p:txBody>
+        </p:sp>
+        <p:sp>
+          <p:nvSpPr>
+            <p:cNvPr id="10" name="TextBox 9"/>
+            <p:cNvSpPr txBox="1"/>
+            <p:nvPr/>
+          </p:nvSpPr>
+          <p:spPr>
+            <a:xfrm>
+              <a:off x="4210749" y="2556112"/>
+              <a:ext cx="936795" cy="338554"/>
+            </a:xfrm>
+            <a:prstGeom prst="rect">
+              <a:avLst/>
+            </a:prstGeom>
+            <a:noFill/>
+          </p:spPr>
+          <p:txBody>
+            <a:bodyPr wrap="none" rtlCol="0">
+              <a:spAutoFit/>
+            </a:bodyPr>
+            <a:lstStyle/>
+            <a:p>
+              <a:r>
+                <a:rPr lang="en-US" altLang="ko-KR" sz="1600" dirty="0">
+                  <a:solidFill>
+                    <a:prstClr val="black"/>
+                  </a:solidFill>
+                  <a:latin typeface="맑은 고딕" pitchFamily="50" charset="-127"/>
+                  <a:ea typeface="맑은 고딕" pitchFamily="50" charset="-127"/>
+                </a:rPr>
+                <a:t>Thread2</a:t>
+              </a:r>
+              <a:endParaRPr lang="ko-KR" altLang="en-US" sz="1600" dirty="0">
+                <a:solidFill>
+                  <a:prstClr val="black"/>
+                </a:solidFill>
+                <a:latin typeface="맑은 고딕" pitchFamily="50" charset="-127"/>
+                <a:ea typeface="맑은 고딕" pitchFamily="50" charset="-127"/>
+              </a:endParaRPr>
+            </a:p>
+          </p:txBody>
+        </p:sp>
+        <p:sp>
+          <p:nvSpPr>
+            <p:cNvPr id="11" name="TextBox 10"/>
+            <p:cNvSpPr txBox="1"/>
+            <p:nvPr/>
+          </p:nvSpPr>
+          <p:spPr>
+            <a:xfrm>
+              <a:off x="6156176" y="2556112"/>
+              <a:ext cx="431528" cy="338554"/>
+            </a:xfrm>
+            <a:prstGeom prst="rect">
+              <a:avLst/>
+            </a:prstGeom>
+            <a:noFill/>
+          </p:spPr>
+          <p:txBody>
+            <a:bodyPr wrap="none" rtlCol="0">
+              <a:spAutoFit/>
+            </a:bodyPr>
+            <a:lstStyle/>
+            <a:p>
+              <a:r>
+                <a:rPr lang="en-US" altLang="ko-KR" sz="1600" dirty="0">
+                  <a:solidFill>
+                    <a:prstClr val="black"/>
+                  </a:solidFill>
+                  <a:latin typeface="맑은 고딕" pitchFamily="50" charset="-127"/>
+                  <a:ea typeface="맑은 고딕" pitchFamily="50" charset="-127"/>
+                </a:rPr>
+                <a:t>PC</a:t>
+              </a:r>
+            </a:p>
+          </p:txBody>
+        </p:sp>
+        <p:sp>
+          <p:nvSpPr>
+            <p:cNvPr id="12" name="TextBox 11"/>
+            <p:cNvSpPr txBox="1"/>
+            <p:nvPr/>
+          </p:nvSpPr>
+          <p:spPr>
+            <a:xfrm>
+              <a:off x="6637408" y="2556112"/>
+              <a:ext cx="670376" cy="338554"/>
+            </a:xfrm>
+            <a:prstGeom prst="rect">
+              <a:avLst/>
+            </a:prstGeom>
+            <a:noFill/>
+          </p:spPr>
+          <p:txBody>
+            <a:bodyPr wrap="none" rtlCol="0">
+              <a:spAutoFit/>
+            </a:bodyPr>
+            <a:lstStyle/>
+            <a:p>
+              <a:r>
+                <a:rPr lang="en-US" altLang="ko-KR" sz="1600" dirty="0">
+                  <a:solidFill>
+                    <a:prstClr val="black"/>
+                  </a:solidFill>
+                  <a:latin typeface="맑은 고딕" pitchFamily="50" charset="-127"/>
+                  <a:ea typeface="맑은 고딕" pitchFamily="50" charset="-127"/>
+                </a:rPr>
+                <a:t>%</a:t>
+              </a:r>
+              <a:r>
+                <a:rPr lang="en-US" altLang="ko-KR" sz="1600" dirty="0" err="1">
+                  <a:solidFill>
+                    <a:prstClr val="black"/>
+                  </a:solidFill>
+                  <a:latin typeface="맑은 고딕" pitchFamily="50" charset="-127"/>
+                  <a:ea typeface="맑은 고딕" pitchFamily="50" charset="-127"/>
+                </a:rPr>
+                <a:t>eax</a:t>
+              </a:r>
+              <a:endParaRPr lang="en-US" altLang="ko-KR" sz="1600" dirty="0">
+                <a:solidFill>
+                  <a:prstClr val="black"/>
+                </a:solidFill>
+                <a:latin typeface="맑은 고딕" pitchFamily="50" charset="-127"/>
+                <a:ea typeface="맑은 고딕" pitchFamily="50" charset="-127"/>
+              </a:endParaRPr>
+            </a:p>
+          </p:txBody>
+        </p:sp>
+        <p:sp>
+          <p:nvSpPr>
+            <p:cNvPr id="13" name="TextBox 12"/>
+            <p:cNvSpPr txBox="1"/>
+            <p:nvPr/>
+          </p:nvSpPr>
+          <p:spPr>
+            <a:xfrm>
+              <a:off x="7277211" y="2556112"/>
+              <a:ext cx="894669" cy="338554"/>
+            </a:xfrm>
+            <a:prstGeom prst="rect">
+              <a:avLst/>
+            </a:prstGeom>
+            <a:noFill/>
+          </p:spPr>
+          <p:txBody>
+            <a:bodyPr wrap="none" rtlCol="0">
+              <a:spAutoFit/>
+            </a:bodyPr>
+            <a:lstStyle/>
+            <a:p>
+              <a:r>
+                <a:rPr lang="en-US" altLang="ko-KR" sz="1600" dirty="0">
+                  <a:solidFill>
+                    <a:prstClr val="black"/>
+                  </a:solidFill>
+                  <a:latin typeface="맑은 고딕" pitchFamily="50" charset="-127"/>
+                  <a:ea typeface="맑은 고딕" pitchFamily="50" charset="-127"/>
+                </a:rPr>
+                <a:t>counter</a:t>
+              </a:r>
+            </a:p>
+          </p:txBody>
+        </p:sp>
+        <p:sp>
+          <p:nvSpPr>
+            <p:cNvPr id="15" name="TextBox 14"/>
+            <p:cNvSpPr txBox="1"/>
+            <p:nvPr/>
+          </p:nvSpPr>
+          <p:spPr>
+            <a:xfrm>
+              <a:off x="2267744" y="2952716"/>
+              <a:ext cx="2654894" cy="738664"/>
+            </a:xfrm>
+            <a:prstGeom prst="rect">
+              <a:avLst/>
+            </a:prstGeom>
+            <a:noFill/>
+          </p:spPr>
+          <p:txBody>
+            <a:bodyPr wrap="none" rtlCol="0">
+              <a:spAutoFit/>
+            </a:bodyPr>
+            <a:lstStyle/>
+            <a:p>
+              <a:r>
+                <a:rPr lang="en-US" altLang="ko-KR" sz="1400" dirty="0">
+                  <a:solidFill>
+                    <a:prstClr val="black"/>
+                  </a:solidFill>
+                  <a:latin typeface="Courier" pitchFamily="49" charset="0"/>
+                  <a:ea typeface="맑은 고딕" pitchFamily="50" charset="-127"/>
+                </a:rPr>
+                <a:t>before critical section</a:t>
+              </a:r>
+            </a:p>
+            <a:p>
+              <a:r>
+                <a:rPr lang="en-US" altLang="ko-KR" sz="1400" dirty="0" err="1">
+                  <a:solidFill>
+                    <a:prstClr val="black"/>
+                  </a:solidFill>
+                  <a:latin typeface="Courier" pitchFamily="49" charset="0"/>
+                  <a:ea typeface="맑은 고딕" pitchFamily="50" charset="-127"/>
+                </a:rPr>
+                <a:t>mov</a:t>
+              </a:r>
+              <a:r>
+                <a:rPr lang="en-US" altLang="ko-KR" sz="1400" dirty="0">
+                  <a:solidFill>
+                    <a:prstClr val="black"/>
+                  </a:solidFill>
+                  <a:latin typeface="Courier" pitchFamily="49" charset="0"/>
+                  <a:ea typeface="맑은 고딕" pitchFamily="50" charset="-127"/>
+                </a:rPr>
+                <a:t> 0x8049a1c, %</a:t>
+              </a:r>
+              <a:r>
+                <a:rPr lang="en-US" altLang="ko-KR" sz="1400" dirty="0" err="1">
+                  <a:solidFill>
+                    <a:prstClr val="black"/>
+                  </a:solidFill>
+                  <a:latin typeface="Courier" pitchFamily="49" charset="0"/>
+                  <a:ea typeface="맑은 고딕" pitchFamily="50" charset="-127"/>
+                </a:rPr>
+                <a:t>eax</a:t>
+              </a:r>
+              <a:endParaRPr lang="en-US" altLang="ko-KR" sz="1400" dirty="0">
+                <a:solidFill>
+                  <a:prstClr val="black"/>
+                </a:solidFill>
+                <a:latin typeface="Courier" pitchFamily="49" charset="0"/>
+                <a:ea typeface="맑은 고딕" pitchFamily="50" charset="-127"/>
+              </a:endParaRPr>
+            </a:p>
+            <a:p>
+              <a:r>
+                <a:rPr lang="en-US" altLang="ko-KR" sz="1400" dirty="0">
+                  <a:solidFill>
+                    <a:prstClr val="black"/>
+                  </a:solidFill>
+                  <a:latin typeface="Courier" pitchFamily="49" charset="0"/>
+                  <a:ea typeface="맑은 고딕" pitchFamily="50" charset="-127"/>
+                </a:rPr>
+                <a:t>add $0x1, %</a:t>
+              </a:r>
+              <a:r>
+                <a:rPr lang="en-US" altLang="ko-KR" sz="1400" dirty="0" err="1">
+                  <a:solidFill>
+                    <a:prstClr val="black"/>
+                  </a:solidFill>
+                  <a:latin typeface="Courier" pitchFamily="49" charset="0"/>
+                  <a:ea typeface="맑은 고딕" pitchFamily="50" charset="-127"/>
+                </a:rPr>
+                <a:t>eax</a:t>
+              </a:r>
+              <a:endParaRPr lang="ko-KR" altLang="en-US" sz="1400" dirty="0">
+                <a:solidFill>
+                  <a:prstClr val="black"/>
+                </a:solidFill>
+                <a:latin typeface="Courier" pitchFamily="49" charset="0"/>
+                <a:ea typeface="맑은 고딕" pitchFamily="50" charset="-127"/>
+              </a:endParaRPr>
+            </a:p>
+          </p:txBody>
+        </p:sp>
+        <p:sp>
+          <p:nvSpPr>
+            <p:cNvPr id="16" name="TextBox 15"/>
+            <p:cNvSpPr txBox="1"/>
+            <p:nvPr/>
+          </p:nvSpPr>
+          <p:spPr>
+            <a:xfrm>
+              <a:off x="6156176" y="2952716"/>
+              <a:ext cx="506870" cy="738664"/>
+            </a:xfrm>
+            <a:prstGeom prst="rect">
+              <a:avLst/>
+            </a:prstGeom>
+            <a:noFill/>
+          </p:spPr>
+          <p:txBody>
+            <a:bodyPr wrap="none" rtlCol="0">
+              <a:spAutoFit/>
+            </a:bodyPr>
+            <a:lstStyle/>
+            <a:p>
+              <a:r>
+                <a:rPr lang="en-US" altLang="ko-KR" sz="1400" dirty="0">
+                  <a:solidFill>
+                    <a:prstClr val="black"/>
+                  </a:solidFill>
+                  <a:latin typeface="Courier" pitchFamily="49" charset="0"/>
+                  <a:ea typeface="맑은 고딕" pitchFamily="50" charset="-127"/>
+                </a:rPr>
+                <a:t>100</a:t>
+              </a:r>
+            </a:p>
+            <a:p>
+              <a:r>
+                <a:rPr lang="en-US" altLang="ko-KR" sz="1400" dirty="0">
+                  <a:solidFill>
+                    <a:prstClr val="black"/>
+                  </a:solidFill>
+                  <a:latin typeface="Courier" pitchFamily="49" charset="0"/>
+                  <a:ea typeface="맑은 고딕" pitchFamily="50" charset="-127"/>
+                </a:rPr>
+                <a:t>105</a:t>
+              </a:r>
+            </a:p>
+            <a:p>
+              <a:r>
+                <a:rPr lang="en-US" altLang="ko-KR" sz="1400" dirty="0">
+                  <a:solidFill>
+                    <a:prstClr val="black"/>
+                  </a:solidFill>
+                  <a:latin typeface="Courier" pitchFamily="49" charset="0"/>
+                  <a:ea typeface="맑은 고딕" pitchFamily="50" charset="-127"/>
+                </a:rPr>
+                <a:t>108</a:t>
+              </a:r>
+            </a:p>
+          </p:txBody>
+        </p:sp>
+        <p:sp>
+          <p:nvSpPr>
+            <p:cNvPr id="17" name="TextBox 16"/>
+            <p:cNvSpPr txBox="1"/>
+            <p:nvPr/>
+          </p:nvSpPr>
+          <p:spPr>
+            <a:xfrm>
+              <a:off x="6801434" y="2952716"/>
+              <a:ext cx="399468" cy="738664"/>
+            </a:xfrm>
+            <a:prstGeom prst="rect">
+              <a:avLst/>
+            </a:prstGeom>
+            <a:noFill/>
+          </p:spPr>
+          <p:txBody>
+            <a:bodyPr wrap="none" rtlCol="0">
+              <a:spAutoFit/>
+            </a:bodyPr>
+            <a:lstStyle/>
+            <a:p>
+              <a:r>
+                <a:rPr lang="en-US" altLang="ko-KR" sz="1400" dirty="0">
+                  <a:solidFill>
+                    <a:prstClr val="black"/>
+                  </a:solidFill>
+                  <a:latin typeface="Courier" pitchFamily="49" charset="0"/>
+                  <a:ea typeface="맑은 고딕" pitchFamily="50" charset="-127"/>
+                </a:rPr>
+                <a:t>0</a:t>
+              </a:r>
+            </a:p>
+            <a:p>
+              <a:r>
+                <a:rPr lang="en-US" altLang="ko-KR" sz="1400" dirty="0">
+                  <a:solidFill>
+                    <a:prstClr val="black"/>
+                  </a:solidFill>
+                  <a:latin typeface="Courier" pitchFamily="49" charset="0"/>
+                  <a:ea typeface="맑은 고딕" pitchFamily="50" charset="-127"/>
+                </a:rPr>
+                <a:t>50</a:t>
+              </a:r>
+            </a:p>
+            <a:p>
+              <a:r>
+                <a:rPr lang="en-US" altLang="ko-KR" sz="1400" dirty="0">
+                  <a:solidFill>
+                    <a:prstClr val="black"/>
+                  </a:solidFill>
+                  <a:latin typeface="Courier" pitchFamily="49" charset="0"/>
+                  <a:ea typeface="맑은 고딕" pitchFamily="50" charset="-127"/>
+                </a:rPr>
+                <a:t>51</a:t>
+              </a:r>
+            </a:p>
+          </p:txBody>
+        </p:sp>
+        <p:sp>
+          <p:nvSpPr>
+            <p:cNvPr id="18" name="TextBox 17"/>
+            <p:cNvSpPr txBox="1"/>
+            <p:nvPr/>
+          </p:nvSpPr>
+          <p:spPr>
+            <a:xfrm>
+              <a:off x="7524328" y="2952716"/>
+              <a:ext cx="399468" cy="738664"/>
+            </a:xfrm>
+            <a:prstGeom prst="rect">
+              <a:avLst/>
+            </a:prstGeom>
+            <a:noFill/>
+          </p:spPr>
+          <p:txBody>
+            <a:bodyPr wrap="none" rtlCol="0">
+              <a:spAutoFit/>
+            </a:bodyPr>
+            <a:lstStyle/>
+            <a:p>
+              <a:r>
+                <a:rPr lang="en-US" altLang="ko-KR" sz="1400" dirty="0">
+                  <a:solidFill>
+                    <a:prstClr val="black"/>
+                  </a:solidFill>
+                  <a:latin typeface="Courier" pitchFamily="49" charset="0"/>
+                  <a:ea typeface="맑은 고딕" pitchFamily="50" charset="-127"/>
+                </a:rPr>
+                <a:t>50</a:t>
+              </a:r>
+            </a:p>
+            <a:p>
+              <a:r>
+                <a:rPr lang="en-US" altLang="ko-KR" sz="1400" dirty="0">
+                  <a:solidFill>
+                    <a:prstClr val="black"/>
+                  </a:solidFill>
+                  <a:latin typeface="Courier" pitchFamily="49" charset="0"/>
+                  <a:ea typeface="맑은 고딕" pitchFamily="50" charset="-127"/>
+                </a:rPr>
+                <a:t>50</a:t>
+              </a:r>
+            </a:p>
+            <a:p>
+              <a:r>
+                <a:rPr lang="en-US" altLang="ko-KR" sz="1400" dirty="0">
+                  <a:solidFill>
+                    <a:prstClr val="black"/>
+                  </a:solidFill>
+                  <a:latin typeface="Courier" pitchFamily="49" charset="0"/>
+                  <a:ea typeface="맑은 고딕" pitchFamily="50" charset="-127"/>
+                </a:rPr>
+                <a:t>50</a:t>
+              </a:r>
+            </a:p>
+          </p:txBody>
+        </p:sp>
+        <p:sp>
+          <p:nvSpPr>
+            <p:cNvPr id="19" name="TextBox 18"/>
+            <p:cNvSpPr txBox="1"/>
+            <p:nvPr/>
+          </p:nvSpPr>
+          <p:spPr>
+            <a:xfrm>
+              <a:off x="755576" y="3739017"/>
+              <a:ext cx="2225289" cy="738664"/>
+            </a:xfrm>
+            <a:prstGeom prst="rect">
+              <a:avLst/>
+            </a:prstGeom>
+            <a:noFill/>
+          </p:spPr>
+          <p:txBody>
+            <a:bodyPr wrap="none" rtlCol="0">
+              <a:spAutoFit/>
+            </a:bodyPr>
+            <a:lstStyle/>
+            <a:p>
+              <a:r>
+                <a:rPr lang="en-US" altLang="ko-KR" sz="1400" dirty="0">
+                  <a:solidFill>
+                    <a:prstClr val="black"/>
+                  </a:solidFill>
+                  <a:latin typeface="Courier" pitchFamily="49" charset="0"/>
+                  <a:ea typeface="맑은 고딕" pitchFamily="50" charset="-127"/>
+                </a:rPr>
+                <a:t>interrupt</a:t>
+              </a:r>
+            </a:p>
+            <a:p>
+              <a:r>
+                <a:rPr lang="en-US" altLang="ko-KR" sz="1400" dirty="0">
+                  <a:solidFill>
+                    <a:prstClr val="black"/>
+                  </a:solidFill>
+                  <a:latin typeface="Courier" pitchFamily="49" charset="0"/>
+                  <a:ea typeface="맑은 고딕" pitchFamily="50" charset="-127"/>
+                </a:rPr>
+                <a:t> save T1’s state</a:t>
+              </a:r>
+            </a:p>
+            <a:p>
+              <a:r>
+                <a:rPr lang="en-US" altLang="ko-KR" sz="1400" dirty="0">
+                  <a:solidFill>
+                    <a:prstClr val="black"/>
+                  </a:solidFill>
+                  <a:latin typeface="Courier" pitchFamily="49" charset="0"/>
+                  <a:ea typeface="맑은 고딕" pitchFamily="50" charset="-127"/>
+                </a:rPr>
+                <a:t> restore T2’s state</a:t>
+              </a:r>
+              <a:endParaRPr lang="ko-KR" altLang="en-US" sz="1400" dirty="0">
+                <a:solidFill>
+                  <a:prstClr val="black"/>
+                </a:solidFill>
+                <a:latin typeface="Courier" pitchFamily="49" charset="0"/>
+                <a:ea typeface="맑은 고딕" pitchFamily="50" charset="-127"/>
+              </a:endParaRPr>
+            </a:p>
+          </p:txBody>
+        </p:sp>
+        <p:sp>
+          <p:nvSpPr>
+            <p:cNvPr id="20" name="TextBox 19"/>
+            <p:cNvSpPr txBox="1"/>
+            <p:nvPr/>
+          </p:nvSpPr>
+          <p:spPr>
+            <a:xfrm>
+              <a:off x="3858879" y="4389250"/>
+              <a:ext cx="2225289" cy="738664"/>
+            </a:xfrm>
+            <a:prstGeom prst="rect">
+              <a:avLst/>
+            </a:prstGeom>
+            <a:noFill/>
+          </p:spPr>
+          <p:txBody>
+            <a:bodyPr wrap="none" rtlCol="0">
+              <a:spAutoFit/>
+            </a:bodyPr>
+            <a:lstStyle/>
+            <a:p>
+              <a:r>
+                <a:rPr lang="en-US" altLang="ko-KR" sz="1400" dirty="0" err="1">
+                  <a:solidFill>
+                    <a:prstClr val="black"/>
+                  </a:solidFill>
+                  <a:latin typeface="Courier" pitchFamily="49" charset="0"/>
+                  <a:ea typeface="맑은 고딕" pitchFamily="50" charset="-127"/>
+                </a:rPr>
+                <a:t>mov</a:t>
+              </a:r>
+              <a:r>
+                <a:rPr lang="en-US" altLang="ko-KR" sz="1400" dirty="0">
+                  <a:solidFill>
+                    <a:prstClr val="black"/>
+                  </a:solidFill>
+                  <a:latin typeface="Courier" pitchFamily="49" charset="0"/>
+                  <a:ea typeface="맑은 고딕" pitchFamily="50" charset="-127"/>
+                </a:rPr>
+                <a:t> 0x8049a1c, %</a:t>
+              </a:r>
+              <a:r>
+                <a:rPr lang="en-US" altLang="ko-KR" sz="1400" dirty="0" err="1">
+                  <a:solidFill>
+                    <a:prstClr val="black"/>
+                  </a:solidFill>
+                  <a:latin typeface="Courier" pitchFamily="49" charset="0"/>
+                  <a:ea typeface="맑은 고딕" pitchFamily="50" charset="-127"/>
+                </a:rPr>
+                <a:t>eax</a:t>
+              </a:r>
+              <a:endParaRPr lang="en-US" altLang="ko-KR" sz="1400" dirty="0">
+                <a:solidFill>
+                  <a:prstClr val="black"/>
+                </a:solidFill>
+                <a:latin typeface="Courier" pitchFamily="49" charset="0"/>
+                <a:ea typeface="맑은 고딕" pitchFamily="50" charset="-127"/>
+              </a:endParaRPr>
+            </a:p>
+            <a:p>
+              <a:r>
+                <a:rPr lang="en-US" altLang="ko-KR" sz="1400" dirty="0">
+                  <a:solidFill>
+                    <a:prstClr val="black"/>
+                  </a:solidFill>
+                  <a:latin typeface="Courier" pitchFamily="49" charset="0"/>
+                  <a:ea typeface="맑은 고딕" pitchFamily="50" charset="-127"/>
+                </a:rPr>
+                <a:t>add $0x1, %</a:t>
+              </a:r>
+              <a:r>
+                <a:rPr lang="en-US" altLang="ko-KR" sz="1400" dirty="0" err="1">
+                  <a:solidFill>
+                    <a:prstClr val="black"/>
+                  </a:solidFill>
+                  <a:latin typeface="Courier" pitchFamily="49" charset="0"/>
+                  <a:ea typeface="맑은 고딕" pitchFamily="50" charset="-127"/>
+                </a:rPr>
+                <a:t>eax</a:t>
+              </a:r>
+              <a:endParaRPr lang="en-US" altLang="ko-KR" sz="1400" dirty="0">
+                <a:solidFill>
+                  <a:prstClr val="black"/>
+                </a:solidFill>
+                <a:latin typeface="Courier" pitchFamily="49" charset="0"/>
+                <a:ea typeface="맑은 고딕" pitchFamily="50" charset="-127"/>
+              </a:endParaRPr>
+            </a:p>
+            <a:p>
+              <a:r>
+                <a:rPr lang="en-US" altLang="ko-KR" sz="1400" dirty="0" err="1">
+                  <a:solidFill>
+                    <a:prstClr val="black"/>
+                  </a:solidFill>
+                  <a:latin typeface="Courier" pitchFamily="49" charset="0"/>
+                  <a:ea typeface="맑은 고딕" pitchFamily="50" charset="-127"/>
+                </a:rPr>
+                <a:t>mov</a:t>
+              </a:r>
+              <a:r>
+                <a:rPr lang="en-US" altLang="ko-KR" sz="1400" dirty="0">
+                  <a:solidFill>
+                    <a:prstClr val="black"/>
+                  </a:solidFill>
+                  <a:latin typeface="Courier" pitchFamily="49" charset="0"/>
+                  <a:ea typeface="맑은 고딕" pitchFamily="50" charset="-127"/>
+                </a:rPr>
+                <a:t> %</a:t>
+              </a:r>
+              <a:r>
+                <a:rPr lang="en-US" altLang="ko-KR" sz="1400" dirty="0" err="1">
+                  <a:solidFill>
+                    <a:prstClr val="black"/>
+                  </a:solidFill>
+                  <a:latin typeface="Courier" pitchFamily="49" charset="0"/>
+                  <a:ea typeface="맑은 고딕" pitchFamily="50" charset="-127"/>
+                </a:rPr>
+                <a:t>eax</a:t>
+              </a:r>
+              <a:r>
+                <a:rPr lang="en-US" altLang="ko-KR" sz="1400" dirty="0">
+                  <a:solidFill>
+                    <a:prstClr val="black"/>
+                  </a:solidFill>
+                  <a:latin typeface="Courier" pitchFamily="49" charset="0"/>
+                  <a:ea typeface="맑은 고딕" pitchFamily="50" charset="-127"/>
+                </a:rPr>
+                <a:t>, 0x8049a1c</a:t>
+              </a:r>
+              <a:endParaRPr lang="ko-KR" altLang="en-US" sz="1400" dirty="0">
+                <a:solidFill>
+                  <a:prstClr val="black"/>
+                </a:solidFill>
+                <a:latin typeface="Courier" pitchFamily="49" charset="0"/>
+                <a:ea typeface="맑은 고딕" pitchFamily="50" charset="-127"/>
+              </a:endParaRPr>
+            </a:p>
+          </p:txBody>
+        </p:sp>
+        <p:sp>
+          <p:nvSpPr>
+            <p:cNvPr id="21" name="TextBox 20"/>
+            <p:cNvSpPr txBox="1"/>
+            <p:nvPr/>
+          </p:nvSpPr>
+          <p:spPr>
+            <a:xfrm>
+              <a:off x="6156176" y="4190810"/>
+              <a:ext cx="506870" cy="954107"/>
+            </a:xfrm>
+            <a:prstGeom prst="rect">
+              <a:avLst/>
+            </a:prstGeom>
+            <a:noFill/>
+          </p:spPr>
+          <p:txBody>
+            <a:bodyPr wrap="none" rtlCol="0">
+              <a:spAutoFit/>
+            </a:bodyPr>
+            <a:lstStyle/>
+            <a:p>
+              <a:r>
+                <a:rPr lang="en-US" altLang="ko-KR" sz="1400" dirty="0">
+                  <a:solidFill>
+                    <a:prstClr val="black"/>
+                  </a:solidFill>
+                  <a:latin typeface="Courier" pitchFamily="49" charset="0"/>
+                  <a:ea typeface="맑은 고딕" pitchFamily="50" charset="-127"/>
+                </a:rPr>
+                <a:t>100</a:t>
+              </a:r>
+            </a:p>
+            <a:p>
+              <a:r>
+                <a:rPr lang="en-US" altLang="ko-KR" sz="1400" dirty="0">
+                  <a:solidFill>
+                    <a:prstClr val="black"/>
+                  </a:solidFill>
+                  <a:latin typeface="Courier" pitchFamily="49" charset="0"/>
+                  <a:ea typeface="맑은 고딕" pitchFamily="50" charset="-127"/>
+                </a:rPr>
+                <a:t>105</a:t>
+              </a:r>
+            </a:p>
+            <a:p>
+              <a:r>
+                <a:rPr lang="en-US" altLang="ko-KR" sz="1400" dirty="0">
+                  <a:solidFill>
+                    <a:prstClr val="black"/>
+                  </a:solidFill>
+                  <a:latin typeface="Courier" pitchFamily="49" charset="0"/>
+                  <a:ea typeface="맑은 고딕" pitchFamily="50" charset="-127"/>
+                </a:rPr>
+                <a:t>108</a:t>
+              </a:r>
+            </a:p>
+            <a:p>
+              <a:r>
+                <a:rPr lang="en-US" altLang="ko-KR" sz="1400" dirty="0">
+                  <a:solidFill>
+                    <a:prstClr val="black"/>
+                  </a:solidFill>
+                  <a:latin typeface="Courier" pitchFamily="49" charset="0"/>
+                  <a:ea typeface="맑은 고딕" pitchFamily="50" charset="-127"/>
+                </a:rPr>
+                <a:t>113</a:t>
+              </a:r>
+            </a:p>
+          </p:txBody>
+        </p:sp>
+        <p:sp>
+          <p:nvSpPr>
+            <p:cNvPr id="22" name="TextBox 21"/>
+            <p:cNvSpPr txBox="1"/>
+            <p:nvPr/>
+          </p:nvSpPr>
+          <p:spPr>
+            <a:xfrm>
+              <a:off x="6801434" y="4190810"/>
+              <a:ext cx="399468" cy="954107"/>
+            </a:xfrm>
+            <a:prstGeom prst="rect">
+              <a:avLst/>
+            </a:prstGeom>
+            <a:noFill/>
+          </p:spPr>
+          <p:txBody>
+            <a:bodyPr wrap="none" rtlCol="0">
+              <a:spAutoFit/>
+            </a:bodyPr>
+            <a:lstStyle/>
+            <a:p>
+              <a:r>
+                <a:rPr lang="en-US" altLang="ko-KR" sz="1400" dirty="0">
+                  <a:solidFill>
+                    <a:prstClr val="black"/>
+                  </a:solidFill>
+                  <a:latin typeface="Courier" pitchFamily="49" charset="0"/>
+                  <a:ea typeface="맑은 고딕" pitchFamily="50" charset="-127"/>
+                </a:rPr>
+                <a:t>0</a:t>
+              </a:r>
+            </a:p>
+            <a:p>
+              <a:r>
+                <a:rPr lang="en-US" altLang="ko-KR" sz="1400" dirty="0">
+                  <a:solidFill>
+                    <a:prstClr val="black"/>
+                  </a:solidFill>
+                  <a:latin typeface="Courier" pitchFamily="49" charset="0"/>
+                  <a:ea typeface="맑은 고딕" pitchFamily="50" charset="-127"/>
+                </a:rPr>
+                <a:t>50</a:t>
+              </a:r>
+            </a:p>
+            <a:p>
+              <a:r>
+                <a:rPr lang="en-US" altLang="ko-KR" sz="1400" dirty="0">
+                  <a:solidFill>
+                    <a:prstClr val="black"/>
+                  </a:solidFill>
+                  <a:latin typeface="Courier" pitchFamily="49" charset="0"/>
+                  <a:ea typeface="맑은 고딕" pitchFamily="50" charset="-127"/>
+                </a:rPr>
+                <a:t>51</a:t>
+              </a:r>
+            </a:p>
+            <a:p>
+              <a:r>
+                <a:rPr lang="en-US" altLang="ko-KR" sz="1400" dirty="0">
+                  <a:solidFill>
+                    <a:prstClr val="black"/>
+                  </a:solidFill>
+                  <a:latin typeface="Courier" pitchFamily="49" charset="0"/>
+                  <a:ea typeface="맑은 고딕" pitchFamily="50" charset="-127"/>
+                </a:rPr>
+                <a:t>51</a:t>
+              </a:r>
+            </a:p>
+          </p:txBody>
+        </p:sp>
+        <p:sp>
+          <p:nvSpPr>
+            <p:cNvPr id="23" name="TextBox 22"/>
+            <p:cNvSpPr txBox="1"/>
+            <p:nvPr/>
+          </p:nvSpPr>
+          <p:spPr>
+            <a:xfrm>
+              <a:off x="7524328" y="4190810"/>
+              <a:ext cx="399468" cy="954107"/>
+            </a:xfrm>
+            <a:prstGeom prst="rect">
+              <a:avLst/>
+            </a:prstGeom>
+            <a:noFill/>
+          </p:spPr>
+          <p:txBody>
+            <a:bodyPr wrap="none" rtlCol="0">
+              <a:spAutoFit/>
+            </a:bodyPr>
+            <a:lstStyle/>
+            <a:p>
+              <a:r>
+                <a:rPr lang="en-US" altLang="ko-KR" sz="1400" dirty="0">
+                  <a:solidFill>
+                    <a:prstClr val="black"/>
+                  </a:solidFill>
+                  <a:latin typeface="Courier" pitchFamily="49" charset="0"/>
+                  <a:ea typeface="맑은 고딕" pitchFamily="50" charset="-127"/>
+                </a:rPr>
+                <a:t>50</a:t>
+              </a:r>
+            </a:p>
+            <a:p>
+              <a:r>
+                <a:rPr lang="en-US" altLang="ko-KR" sz="1400" dirty="0">
+                  <a:solidFill>
+                    <a:prstClr val="black"/>
+                  </a:solidFill>
+                  <a:latin typeface="Courier" pitchFamily="49" charset="0"/>
+                  <a:ea typeface="맑은 고딕" pitchFamily="50" charset="-127"/>
+                </a:rPr>
+                <a:t>50</a:t>
+              </a:r>
+            </a:p>
+            <a:p>
+              <a:r>
+                <a:rPr lang="en-US" altLang="ko-KR" sz="1400" dirty="0">
+                  <a:solidFill>
+                    <a:prstClr val="black"/>
+                  </a:solidFill>
+                  <a:latin typeface="Courier" pitchFamily="49" charset="0"/>
+                  <a:ea typeface="맑은 고딕" pitchFamily="50" charset="-127"/>
+                </a:rPr>
+                <a:t>50</a:t>
+              </a:r>
+            </a:p>
+            <a:p>
+              <a:r>
+                <a:rPr lang="en-US" altLang="ko-KR" sz="1400" dirty="0">
+                  <a:solidFill>
+                    <a:prstClr val="black"/>
+                  </a:solidFill>
+                  <a:latin typeface="Courier" pitchFamily="49" charset="0"/>
+                  <a:ea typeface="맑은 고딕" pitchFamily="50" charset="-127"/>
+                </a:rPr>
+                <a:t>51</a:t>
+              </a:r>
+            </a:p>
+          </p:txBody>
+        </p:sp>
+        <p:sp>
+          <p:nvSpPr>
+            <p:cNvPr id="24" name="TextBox 23"/>
+            <p:cNvSpPr txBox="1"/>
+            <p:nvPr/>
+          </p:nvSpPr>
+          <p:spPr>
+            <a:xfrm>
+              <a:off x="755576" y="5109984"/>
+              <a:ext cx="2225289" cy="738664"/>
+            </a:xfrm>
+            <a:prstGeom prst="rect">
+              <a:avLst/>
+            </a:prstGeom>
+            <a:noFill/>
+          </p:spPr>
+          <p:txBody>
+            <a:bodyPr wrap="none" rtlCol="0">
+              <a:spAutoFit/>
+            </a:bodyPr>
+            <a:lstStyle/>
+            <a:p>
+              <a:r>
+                <a:rPr lang="en-US" altLang="ko-KR" sz="1400" dirty="0">
+                  <a:solidFill>
+                    <a:prstClr val="black"/>
+                  </a:solidFill>
+                  <a:latin typeface="Courier" pitchFamily="49" charset="0"/>
+                  <a:ea typeface="맑은 고딕" pitchFamily="50" charset="-127"/>
+                </a:rPr>
+                <a:t>interrupt</a:t>
+              </a:r>
+            </a:p>
+            <a:p>
+              <a:r>
+                <a:rPr lang="en-US" altLang="ko-KR" sz="1400" dirty="0">
+                  <a:solidFill>
+                    <a:prstClr val="black"/>
+                  </a:solidFill>
+                  <a:latin typeface="Courier" pitchFamily="49" charset="0"/>
+                  <a:ea typeface="맑은 고딕" pitchFamily="50" charset="-127"/>
+                </a:rPr>
+                <a:t> save T2’s state</a:t>
+              </a:r>
+            </a:p>
+            <a:p>
+              <a:r>
+                <a:rPr lang="en-US" altLang="ko-KR" sz="1400" dirty="0">
+                  <a:solidFill>
+                    <a:prstClr val="black"/>
+                  </a:solidFill>
+                  <a:latin typeface="Courier" pitchFamily="49" charset="0"/>
+                  <a:ea typeface="맑은 고딕" pitchFamily="50" charset="-127"/>
+                </a:rPr>
+                <a:t> restore T1’s state</a:t>
+              </a:r>
+              <a:endParaRPr lang="ko-KR" altLang="en-US" sz="1400" dirty="0">
+                <a:solidFill>
+                  <a:prstClr val="black"/>
+                </a:solidFill>
+                <a:latin typeface="Courier" pitchFamily="49" charset="0"/>
+                <a:ea typeface="맑은 고딕" pitchFamily="50" charset="-127"/>
+              </a:endParaRPr>
+            </a:p>
+          </p:txBody>
+        </p:sp>
+        <p:sp>
+          <p:nvSpPr>
+            <p:cNvPr id="25" name="TextBox 24"/>
+            <p:cNvSpPr txBox="1"/>
+            <p:nvPr/>
+          </p:nvSpPr>
+          <p:spPr>
+            <a:xfrm>
+              <a:off x="2267744" y="5774986"/>
+              <a:ext cx="2225289" cy="307777"/>
+            </a:xfrm>
+            <a:prstGeom prst="rect">
+              <a:avLst/>
+            </a:prstGeom>
+            <a:noFill/>
+          </p:spPr>
+          <p:txBody>
+            <a:bodyPr wrap="none" rtlCol="0">
+              <a:spAutoFit/>
+            </a:bodyPr>
+            <a:lstStyle/>
+            <a:p>
+              <a:r>
+                <a:rPr lang="en-US" altLang="ko-KR" sz="1400" dirty="0" err="1">
+                  <a:solidFill>
+                    <a:prstClr val="black"/>
+                  </a:solidFill>
+                  <a:latin typeface="Courier" pitchFamily="49" charset="0"/>
+                  <a:ea typeface="맑은 고딕" pitchFamily="50" charset="-127"/>
+                </a:rPr>
+                <a:t>mov</a:t>
+              </a:r>
+              <a:r>
+                <a:rPr lang="en-US" altLang="ko-KR" sz="1400" dirty="0">
+                  <a:solidFill>
+                    <a:prstClr val="black"/>
+                  </a:solidFill>
+                  <a:latin typeface="Courier" pitchFamily="49" charset="0"/>
+                  <a:ea typeface="맑은 고딕" pitchFamily="50" charset="-127"/>
+                </a:rPr>
+                <a:t> %</a:t>
+              </a:r>
+              <a:r>
+                <a:rPr lang="en-US" altLang="ko-KR" sz="1400" dirty="0" err="1">
+                  <a:solidFill>
+                    <a:prstClr val="black"/>
+                  </a:solidFill>
+                  <a:latin typeface="Courier" pitchFamily="49" charset="0"/>
+                  <a:ea typeface="맑은 고딕" pitchFamily="50" charset="-127"/>
+                </a:rPr>
+                <a:t>eax</a:t>
+              </a:r>
+              <a:r>
+                <a:rPr lang="en-US" altLang="ko-KR" sz="1400" dirty="0">
+                  <a:solidFill>
+                    <a:prstClr val="black"/>
+                  </a:solidFill>
+                  <a:latin typeface="Courier" pitchFamily="49" charset="0"/>
+                  <a:ea typeface="맑은 고딕" pitchFamily="50" charset="-127"/>
+                </a:rPr>
+                <a:t>, 0x8049a1c</a:t>
+              </a:r>
+              <a:endParaRPr lang="ko-KR" altLang="en-US" sz="1400" dirty="0">
+                <a:solidFill>
+                  <a:prstClr val="black"/>
+                </a:solidFill>
+                <a:latin typeface="Courier" pitchFamily="49" charset="0"/>
+                <a:ea typeface="맑은 고딕" pitchFamily="50" charset="-127"/>
+              </a:endParaRPr>
+            </a:p>
+          </p:txBody>
+        </p:sp>
+        <p:sp>
+          <p:nvSpPr>
+            <p:cNvPr id="26" name="TextBox 25"/>
+            <p:cNvSpPr txBox="1"/>
+            <p:nvPr/>
+          </p:nvSpPr>
+          <p:spPr>
+            <a:xfrm>
+              <a:off x="6156176" y="5559542"/>
+              <a:ext cx="506870" cy="523220"/>
+            </a:xfrm>
+            <a:prstGeom prst="rect">
+              <a:avLst/>
+            </a:prstGeom>
+            <a:noFill/>
+          </p:spPr>
+          <p:txBody>
+            <a:bodyPr wrap="none" rtlCol="0">
+              <a:spAutoFit/>
+            </a:bodyPr>
+            <a:lstStyle/>
+            <a:p>
+              <a:r>
+                <a:rPr lang="en-US" altLang="ko-KR" sz="1400" dirty="0">
+                  <a:solidFill>
+                    <a:prstClr val="black"/>
+                  </a:solidFill>
+                  <a:latin typeface="Courier" pitchFamily="49" charset="0"/>
+                  <a:ea typeface="맑은 고딕" pitchFamily="50" charset="-127"/>
+                </a:rPr>
+                <a:t>108</a:t>
+              </a:r>
+            </a:p>
+            <a:p>
+              <a:r>
+                <a:rPr lang="en-US" altLang="ko-KR" sz="1400" dirty="0">
+                  <a:solidFill>
+                    <a:prstClr val="black"/>
+                  </a:solidFill>
+                  <a:latin typeface="Courier" pitchFamily="49" charset="0"/>
+                  <a:ea typeface="맑은 고딕" pitchFamily="50" charset="-127"/>
+                </a:rPr>
+                <a:t>113</a:t>
+              </a:r>
+            </a:p>
+          </p:txBody>
+        </p:sp>
+        <p:sp>
+          <p:nvSpPr>
+            <p:cNvPr id="27" name="TextBox 26"/>
+            <p:cNvSpPr txBox="1"/>
+            <p:nvPr/>
+          </p:nvSpPr>
+          <p:spPr>
+            <a:xfrm>
+              <a:off x="6801434" y="5559542"/>
+              <a:ext cx="399468" cy="523220"/>
+            </a:xfrm>
+            <a:prstGeom prst="rect">
+              <a:avLst/>
+            </a:prstGeom>
+            <a:noFill/>
+          </p:spPr>
+          <p:txBody>
+            <a:bodyPr wrap="none" rtlCol="0">
+              <a:spAutoFit/>
+            </a:bodyPr>
+            <a:lstStyle/>
+            <a:p>
+              <a:r>
+                <a:rPr lang="en-US" altLang="ko-KR" sz="1400" dirty="0">
+                  <a:solidFill>
+                    <a:prstClr val="black"/>
+                  </a:solidFill>
+                  <a:latin typeface="Courier" pitchFamily="49" charset="0"/>
+                  <a:ea typeface="맑은 고딕" pitchFamily="50" charset="-127"/>
+                </a:rPr>
+                <a:t>51</a:t>
+              </a:r>
+            </a:p>
+            <a:p>
+              <a:r>
+                <a:rPr lang="en-US" altLang="ko-KR" sz="1400" dirty="0">
+                  <a:solidFill>
+                    <a:prstClr val="black"/>
+                  </a:solidFill>
+                  <a:latin typeface="Courier" pitchFamily="49" charset="0"/>
+                  <a:ea typeface="맑은 고딕" pitchFamily="50" charset="-127"/>
+                </a:rPr>
+                <a:t>51</a:t>
+              </a:r>
+            </a:p>
+          </p:txBody>
+        </p:sp>
+        <p:sp>
+          <p:nvSpPr>
+            <p:cNvPr id="28" name="TextBox 27"/>
+            <p:cNvSpPr txBox="1"/>
+            <p:nvPr/>
+          </p:nvSpPr>
+          <p:spPr>
+            <a:xfrm>
+              <a:off x="7524328" y="5559542"/>
+              <a:ext cx="399468" cy="523220"/>
+            </a:xfrm>
+            <a:prstGeom prst="rect">
+              <a:avLst/>
+            </a:prstGeom>
+            <a:noFill/>
+          </p:spPr>
+          <p:txBody>
+            <a:bodyPr wrap="none" rtlCol="0">
+              <a:spAutoFit/>
+            </a:bodyPr>
+            <a:lstStyle/>
+            <a:p>
+              <a:r>
+                <a:rPr lang="en-US" altLang="ko-KR" sz="1400" dirty="0">
+                  <a:solidFill>
+                    <a:prstClr val="black"/>
+                  </a:solidFill>
+                  <a:latin typeface="Courier" pitchFamily="49" charset="0"/>
+                  <a:ea typeface="맑은 고딕" pitchFamily="50" charset="-127"/>
+                </a:rPr>
+                <a:t>50</a:t>
+              </a:r>
+            </a:p>
+            <a:p>
+              <a:r>
+                <a:rPr lang="en-US" altLang="ko-KR" sz="1400" b="1" dirty="0">
+                  <a:solidFill>
+                    <a:prstClr val="black"/>
+                  </a:solidFill>
+                  <a:latin typeface="Courier" pitchFamily="49" charset="0"/>
+                  <a:ea typeface="맑은 고딕" pitchFamily="50" charset="-127"/>
+                </a:rPr>
+                <a:t>51</a:t>
+              </a:r>
+            </a:p>
+          </p:txBody>
+        </p:sp>
+        <p:sp>
+          <p:nvSpPr>
+            <p:cNvPr id="29" name="TextBox 28"/>
+            <p:cNvSpPr txBox="1"/>
+            <p:nvPr/>
+          </p:nvSpPr>
+          <p:spPr>
+            <a:xfrm>
+              <a:off x="6245768" y="2348880"/>
+              <a:ext cx="1791581" cy="338554"/>
+            </a:xfrm>
+            <a:prstGeom prst="rect">
+              <a:avLst/>
+            </a:prstGeom>
+            <a:noFill/>
+          </p:spPr>
+          <p:txBody>
+            <a:bodyPr wrap="none" rtlCol="0">
+              <a:spAutoFit/>
+            </a:bodyPr>
+            <a:lstStyle/>
+            <a:p>
+              <a:r>
+                <a:rPr lang="en-US" altLang="ko-KR" sz="1600" dirty="0">
+                  <a:solidFill>
+                    <a:prstClr val="black"/>
+                  </a:solidFill>
+                  <a:latin typeface="맑은 고딕" pitchFamily="50" charset="-127"/>
+                  <a:ea typeface="맑은 고딕" pitchFamily="50" charset="-127"/>
+                </a:rPr>
+                <a:t>(after instruction)</a:t>
+              </a:r>
+            </a:p>
+          </p:txBody>
+        </p:sp>
+      </p:grpSp>
+      <p:sp>
+        <p:nvSpPr>
+          <p:cNvPr id="32" name="직사각형 31"/>
+          <p:cNvSpPr/>
+          <p:nvPr/>
+        </p:nvSpPr>
+        <p:spPr>
+          <a:xfrm>
+            <a:off x="9048328" y="5929536"/>
+            <a:ext cx="399468" cy="235769"/>
+          </a:xfrm>
+          <a:prstGeom prst="rect">
+            <a:avLst/>
+          </a:prstGeom>
+          <a:noFill/>
+          <a:ln w="9525">
+            <a:solidFill>
+              <a:srgbClr val="FF0000"/>
+            </a:solidFill>
+          </a:ln>
+          <a:effectLst/>
+        </p:spPr>
+        <p:style>
+          <a:lnRef idx="3">
+            <a:schemeClr val="lt1"/>
+          </a:lnRef>
+          <a:fillRef idx="1">
+            <a:schemeClr val="accent1"/>
+          </a:fillRef>
+          <a:effectRef idx="1">
+            <a:schemeClr val="accent1"/>
+          </a:effectRef>
+          <a:fontRef idx="minor">
+            <a:schemeClr val="lt1"/>
+          </a:fontRef>
+        </p:style>
+        <p:txBody>
+          <a:bodyPr lIns="252000" rtlCol="0" anchor="ctr"/>
+          <a:lstStyle/>
+          <a:p>
+            <a:endParaRPr lang="ko-KR" altLang="en-US" sz="1600" dirty="0">
+              <a:solidFill>
+                <a:srgbClr val="00B050"/>
+              </a:solidFill>
+              <a:latin typeface="Courier New" pitchFamily="49" charset="0"/>
+              <a:ea typeface="맑은 고딕" pitchFamily="50" charset="-127"/>
+              <a:cs typeface="Courier New" pitchFamily="49" charset="0"/>
+            </a:endParaRPr>
+          </a:p>
+        </p:txBody>
+      </p:sp>
+      <p:sp>
+        <p:nvSpPr>
+          <p:cNvPr id="3" name="Arrow: Down 2">
+            <a:extLst>
+              <a:ext uri="{FF2B5EF4-FFF2-40B4-BE49-F238E27FC236}">
+                <a16:creationId xmlns:a16="http://schemas.microsoft.com/office/drawing/2014/main" id="{8EF34B78-2BAC-4587-9751-477A787C9F6D}"/>
+              </a:ext>
+            </a:extLst>
+          </p:cNvPr>
+          <p:cNvSpPr/>
+          <p:nvPr/>
+        </p:nvSpPr>
+        <p:spPr>
+          <a:xfrm>
+            <a:off x="8400256" y="2220430"/>
+            <a:ext cx="144016" cy="819453"/>
+          </a:xfrm>
+          <a:prstGeom prst="downArrow">
+            <a:avLst/>
+          </a:prstGeom>
+          <a:solidFill>
+            <a:schemeClr val="bg1"/>
+          </a:solidFill>
+          <a:ln w="9525">
+            <a:solidFill>
+              <a:schemeClr val="tx1"/>
+            </a:solidFill>
+          </a:ln>
+        </p:spPr>
+        <p:style>
+          <a:lnRef idx="3">
+            <a:schemeClr val="lt1"/>
+          </a:lnRef>
+          <a:fillRef idx="1">
+            <a:schemeClr val="accent1"/>
+          </a:fillRef>
+          <a:effectRef idx="1">
+            <a:schemeClr val="accent1"/>
+          </a:effectRef>
+          <a:fontRef idx="minor">
+            <a:schemeClr val="lt1"/>
+          </a:fontRef>
+        </p:style>
+        <p:txBody>
+          <a:bodyPr lIns="252000" rtlCol="0" anchor="ctr"/>
+          <a:lstStyle/>
+          <a:p>
+            <a:pPr algn="ctr"/>
+            <a:endParaRPr lang="en-PH" sz="1600" dirty="0">
+              <a:solidFill>
+                <a:srgbClr val="00B050"/>
+              </a:solidFill>
+              <a:latin typeface="Courier New" pitchFamily="49" charset="0"/>
+              <a:ea typeface="맑은 고딕" pitchFamily="50" charset="-127"/>
+              <a:cs typeface="Courier New" pitchFamily="49" charset="0"/>
+            </a:endParaRPr>
+          </a:p>
+        </p:txBody>
+      </p:sp>
+      <p:sp>
+        <p:nvSpPr>
+          <p:cNvPr id="4" name="TextBox 3">
+            <a:extLst>
+              <a:ext uri="{FF2B5EF4-FFF2-40B4-BE49-F238E27FC236}">
+                <a16:creationId xmlns:a16="http://schemas.microsoft.com/office/drawing/2014/main" id="{55C9A3E0-E090-49F8-AE31-248C881DF465}"/>
+              </a:ext>
+            </a:extLst>
+          </p:cNvPr>
+          <p:cNvSpPr txBox="1"/>
+          <p:nvPr/>
+        </p:nvSpPr>
+        <p:spPr>
+          <a:xfrm>
+            <a:off x="7661786" y="1851097"/>
+            <a:ext cx="1827744" cy="369332"/>
+          </a:xfrm>
+          <a:prstGeom prst="rect">
+            <a:avLst/>
+          </a:prstGeom>
+          <a:noFill/>
+        </p:spPr>
+        <p:txBody>
+          <a:bodyPr wrap="none" rtlCol="0">
+            <a:spAutoFit/>
+          </a:bodyPr>
+          <a:lstStyle/>
+          <a:p>
+            <a:r>
+              <a:rPr lang="en-US" dirty="0">
+                <a:solidFill>
+                  <a:schemeClr val="accent1"/>
+                </a:solidFill>
+                <a:latin typeface="Oswald" pitchFamily="2" charset="0"/>
+              </a:rPr>
+              <a:t>Part of thread state</a:t>
+            </a:r>
+            <a:endParaRPr lang="en-PH" dirty="0">
+              <a:solidFill>
+                <a:schemeClr val="accent1"/>
+              </a:solidFill>
+              <a:latin typeface="Oswald" pitchFamily="2" charset="0"/>
+            </a:endParaRPr>
+          </a:p>
+        </p:txBody>
+      </p:sp>
+    </p:spTree>
+    <p:extLst>
+      <p:ext uri="{BB962C8B-B14F-4D97-AF65-F5344CB8AC3E}">
+        <p14:creationId xmlns:p14="http://schemas.microsoft.com/office/powerpoint/2010/main" val="2603141898"/>
+      </p:ext>
+    </p:extLst>
+  </p:cSld>
+  <p:clrMapOvr>
+    <a:masterClrMapping/>
+  </p:clrMapOvr>
+  <p:transition>
+    <p:zoom/>
+  </p:transition>
+</p:sld>
+</file>
+
+<file path=ppt/slides/slide17.xml><?xml version="1.0" encoding="utf-8"?>
+<p:sld xmlns:a="http://schemas.openxmlformats.org/drawingml/2006/main" xmlns:r="http://schemas.openxmlformats.org/officeDocument/2006/relationships" xmlns:p="http://schemas.openxmlformats.org/presentationml/2006/main">
+  <p:cSld>
+    <p:spTree>
+      <p:nvGrpSpPr>
+        <p:cNvPr id="1" name=""/>
+        <p:cNvGrpSpPr/>
+        <p:nvPr/>
+      </p:nvGrpSpPr>
+      <p:grpSpPr>
+        <a:xfrm>
+          <a:off x="0" y="0"/>
+          <a:ext cx="0" cy="0"/>
+          <a:chOff x="0" y="0"/>
+          <a:chExt cx="0" cy="0"/>
+        </a:xfrm>
+      </p:grpSpPr>
+      <p:sp>
+        <p:nvSpPr>
+          <p:cNvPr id="2" name="제목 1"/>
+          <p:cNvSpPr>
+            <a:spLocks noGrp="1"/>
+          </p:cNvSpPr>
+          <p:nvPr>
+            <p:ph type="title"/>
+          </p:nvPr>
+        </p:nvSpPr>
+        <p:spPr/>
+        <p:txBody>
+          <a:bodyPr/>
+          <a:lstStyle/>
+          <a:p>
+            <a:r>
+              <a:rPr lang="en-US" altLang="ko-KR" dirty="0"/>
+              <a:t>Critical Section</a:t>
             </a:r>
             <a:endParaRPr lang="ko-KR" altLang="en-US" dirty="0"/>
           </a:p>
@@ -1778,6 +4191,158 @@
         <p:txBody>
           <a:bodyPr/>
           <a:lstStyle/>
+          <a:p>
+            <a:r>
+              <a:rPr lang="en-US" altLang="ko-KR" dirty="0"/>
+              <a:t>A piece of code that </a:t>
+            </a:r>
+            <a:r>
+              <a:rPr lang="en-US" altLang="ko-KR" dirty="0">
+                <a:solidFill>
+                  <a:schemeClr val="accent6">
+                    <a:lumMod val="75000"/>
+                  </a:schemeClr>
+                </a:solidFill>
+              </a:rPr>
+              <a:t>accesses a shared variable </a:t>
+            </a:r>
+            <a:r>
+              <a:rPr lang="en-US" altLang="ko-KR" dirty="0"/>
+              <a:t>and must not be concurrently executed by more than one thread because executing it might result to a race condition and thus to incorrect results</a:t>
+            </a:r>
+          </a:p>
+          <a:p>
+            <a:r>
+              <a:rPr lang="en-US" altLang="ko-KR" dirty="0"/>
+              <a:t>Solution: Need to support </a:t>
+            </a:r>
+            <a:r>
+              <a:rPr lang="en-US" altLang="ko-KR" b="1" dirty="0"/>
+              <a:t>atomicity</a:t>
+            </a:r>
+            <a:r>
+              <a:rPr lang="en-US" altLang="ko-KR" dirty="0"/>
+              <a:t>(all instruction executions in the critical section will not be preempted) for critical section access (</a:t>
+            </a:r>
+            <a:r>
+              <a:rPr lang="en-US" altLang="ko-KR" b="1" dirty="0"/>
+              <a:t>mutual exclusion</a:t>
+            </a:r>
+            <a:r>
+              <a:rPr lang="en-US" altLang="ko-KR" dirty="0"/>
+              <a:t>)</a:t>
+            </a:r>
+          </a:p>
+          <a:p>
+            <a:pPr lvl="1"/>
+            <a:r>
+              <a:rPr lang="en-US" altLang="ko-KR" dirty="0"/>
+              <a:t>Will need </a:t>
+            </a:r>
+            <a:r>
+              <a:rPr lang="en-US" altLang="ko-KR" dirty="0">
+                <a:solidFill>
+                  <a:schemeClr val="accent5"/>
+                </a:solidFill>
+              </a:rPr>
+              <a:t>special hardware instructions</a:t>
+            </a:r>
+            <a:r>
+              <a:rPr lang="en-US" altLang="ko-KR" dirty="0"/>
+              <a:t> and </a:t>
+            </a:r>
+            <a:r>
+              <a:rPr lang="en-US" altLang="ko-KR" dirty="0">
+                <a:solidFill>
+                  <a:schemeClr val="accent5"/>
+                </a:solidFill>
+              </a:rPr>
+              <a:t>OS support </a:t>
+            </a:r>
+            <a:endParaRPr lang="ko-KR" altLang="en-US" dirty="0">
+              <a:solidFill>
+                <a:schemeClr val="accent5"/>
+              </a:solidFill>
+            </a:endParaRPr>
+          </a:p>
+        </p:txBody>
+      </p:sp>
+    </p:spTree>
+    <p:extLst>
+      <p:ext uri="{BB962C8B-B14F-4D97-AF65-F5344CB8AC3E}">
+        <p14:creationId xmlns:p14="http://schemas.microsoft.com/office/powerpoint/2010/main" val="2919720480"/>
+      </p:ext>
+    </p:extLst>
+  </p:cSld>
+  <p:clrMapOvr>
+    <a:masterClrMapping/>
+  </p:clrMapOvr>
+  <p:transition>
+    <p:zoom/>
+  </p:transition>
+</p:sld>
+</file>
+
+<file path=ppt/slides/slide18.xml><?xml version="1.0" encoding="utf-8"?>
+<p:sld xmlns:a="http://schemas.openxmlformats.org/drawingml/2006/main" xmlns:r="http://schemas.openxmlformats.org/officeDocument/2006/relationships" xmlns:p="http://schemas.openxmlformats.org/presentationml/2006/main">
+  <p:cSld>
+    <p:spTree>
+      <p:nvGrpSpPr>
+        <p:cNvPr id="1" name=""/>
+        <p:cNvGrpSpPr/>
+        <p:nvPr/>
+      </p:nvGrpSpPr>
+      <p:grpSpPr>
+        <a:xfrm>
+          <a:off x="0" y="0"/>
+          <a:ext cx="0" cy="0"/>
+          <a:chOff x="0" y="0"/>
+          <a:chExt cx="0" cy="0"/>
+        </a:xfrm>
+      </p:grpSpPr>
+      <p:sp>
+        <p:nvSpPr>
+          <p:cNvPr id="2" name="제목 1"/>
+          <p:cNvSpPr>
+            <a:spLocks noGrp="1"/>
+          </p:cNvSpPr>
+          <p:nvPr>
+            <p:ph type="title"/>
+          </p:nvPr>
+        </p:nvSpPr>
+        <p:spPr/>
+        <p:txBody>
+          <a:bodyPr/>
+          <a:lstStyle/>
+          <a:p>
+            <a:r>
+              <a:rPr lang="en-US" altLang="ko-KR" dirty="0"/>
+              <a:t>Locks</a:t>
+            </a:r>
+            <a:endParaRPr lang="ko-KR" altLang="en-US" dirty="0"/>
+          </a:p>
+        </p:txBody>
+      </p:sp>
+      <p:sp>
+        <p:nvSpPr>
+          <p:cNvPr id="3" name="내용 개체 틀 2"/>
+          <p:cNvSpPr>
+            <a:spLocks noGrp="1"/>
+          </p:cNvSpPr>
+          <p:nvPr>
+            <p:ph idx="1"/>
+          </p:nvPr>
+        </p:nvSpPr>
+        <p:spPr/>
+        <p:txBody>
+          <a:bodyPr/>
+          <a:lstStyle/>
+          <a:p>
+            <a:r>
+              <a:rPr lang="en-US" altLang="ko-KR" dirty="0"/>
+              <a:t>Another abstraction such that a thread will not be able to execute in the critical section unless it holds a lock</a:t>
+            </a:r>
+          </a:p>
           <a:p>
             <a:r>
               <a:rPr lang="en-US" altLang="ko-KR" dirty="0"/>
@@ -2042,7 +4607,7 @@
         </p:nvSpPr>
         <p:spPr>
           <a:xfrm>
-            <a:off x="4529754" y="3393106"/>
+            <a:off x="4529754" y="3429000"/>
             <a:ext cx="2808312" cy="235769"/>
           </a:xfrm>
           <a:prstGeom prst="rect">
@@ -2095,7 +4660,7 @@
         </p:nvCxnSpPr>
         <p:spPr>
           <a:xfrm flipV="1">
-            <a:off x="7338066" y="3510990"/>
+            <a:off x="7338066" y="3546884"/>
             <a:ext cx="504056" cy="1"/>
           </a:xfrm>
           <a:prstGeom prst="straightConnector1">
@@ -2127,6 +4692,124 @@
     <p:extLst>
       <p:ext uri="{BB962C8B-B14F-4D97-AF65-F5344CB8AC3E}">
         <p14:creationId xmlns:p14="http://schemas.microsoft.com/office/powerpoint/2010/main" val="1180586020"/>
+      </p:ext>
+    </p:extLst>
+  </p:cSld>
+  <p:clrMapOvr>
+    <a:masterClrMapping/>
+  </p:clrMapOvr>
+  <p:transition>
+    <p:zoom/>
+  </p:transition>
+</p:sld>
+</file>
+
+<file path=ppt/slides/slide19.xml><?xml version="1.0" encoding="utf-8"?>
+<p:sld xmlns:a="http://schemas.openxmlformats.org/drawingml/2006/main" xmlns:r="http://schemas.openxmlformats.org/officeDocument/2006/relationships" xmlns:p="http://schemas.openxmlformats.org/presentationml/2006/main">
+  <p:cSld>
+    <p:spTree>
+      <p:nvGrpSpPr>
+        <p:cNvPr id="1" name=""/>
+        <p:cNvGrpSpPr/>
+        <p:nvPr/>
+      </p:nvGrpSpPr>
+      <p:grpSpPr>
+        <a:xfrm>
+          <a:off x="0" y="0"/>
+          <a:ext cx="0" cy="0"/>
+          <a:chOff x="0" y="0"/>
+          <a:chExt cx="0" cy="0"/>
+        </a:xfrm>
+      </p:grpSpPr>
+      <p:sp>
+        <p:nvSpPr>
+          <p:cNvPr id="3" name="Title 2">
+            <a:extLst>
+              <a:ext uri="{FF2B5EF4-FFF2-40B4-BE49-F238E27FC236}">
+                <a16:creationId xmlns:a16="http://schemas.microsoft.com/office/drawing/2014/main" id="{41454B2C-B09B-4366-A1EA-04D3D84E0F7C}"/>
+              </a:ext>
+            </a:extLst>
+          </p:cNvPr>
+          <p:cNvSpPr>
+            <a:spLocks noGrp="1"/>
+          </p:cNvSpPr>
+          <p:nvPr>
+            <p:ph type="title"/>
+          </p:nvPr>
+        </p:nvSpPr>
+        <p:spPr/>
+        <p:txBody>
+          <a:bodyPr/>
+          <a:lstStyle/>
+          <a:p>
+            <a:r>
+              <a:rPr lang="en-US" dirty="0"/>
+              <a:t>Condition Variables</a:t>
+            </a:r>
+            <a:endParaRPr lang="en-PH" dirty="0"/>
+          </a:p>
+        </p:txBody>
+      </p:sp>
+      <p:sp>
+        <p:nvSpPr>
+          <p:cNvPr id="4" name="Content Placeholder 3">
+            <a:extLst>
+              <a:ext uri="{FF2B5EF4-FFF2-40B4-BE49-F238E27FC236}">
+                <a16:creationId xmlns:a16="http://schemas.microsoft.com/office/drawing/2014/main" id="{74B09DEC-0AB1-4235-81F4-1943D82E33F8}"/>
+              </a:ext>
+            </a:extLst>
+          </p:cNvPr>
+          <p:cNvSpPr>
+            <a:spLocks noGrp="1"/>
+          </p:cNvSpPr>
+          <p:nvPr>
+            <p:ph idx="1"/>
+          </p:nvPr>
+        </p:nvSpPr>
+        <p:spPr/>
+        <p:txBody>
+          <a:bodyPr/>
+          <a:lstStyle/>
+          <a:p>
+            <a:r>
+              <a:rPr lang="en-US" dirty="0"/>
+              <a:t>Some problems will require “waiting for another thread” – </a:t>
+            </a:r>
+            <a:r>
+              <a:rPr lang="en-US" b="1" dirty="0"/>
+              <a:t>Synchronization</a:t>
+            </a:r>
+          </a:p>
+          <a:p>
+            <a:pPr lvl="1"/>
+            <a:r>
+              <a:rPr lang="en-US" dirty="0"/>
+              <a:t>Ex. Threads for I/O processing</a:t>
+            </a:r>
+          </a:p>
+          <a:p>
+            <a:pPr lvl="1"/>
+            <a:r>
+              <a:rPr lang="en-US" dirty="0"/>
+              <a:t>Other synchronization problems: Bounded-Buffer, Producer-Consumer, Readers-Writers, Dining Philosophers Problem  </a:t>
+            </a:r>
+          </a:p>
+          <a:p>
+            <a:pPr marL="0" indent="0">
+              <a:buNone/>
+            </a:pPr>
+            <a:r>
+              <a:rPr lang="en-US" dirty="0"/>
+              <a:t> 	</a:t>
+            </a:r>
+            <a:endParaRPr lang="en-PH" dirty="0"/>
+          </a:p>
+        </p:txBody>
+      </p:sp>
+    </p:spTree>
+    <p:extLst>
+      <p:ext uri="{BB962C8B-B14F-4D97-AF65-F5344CB8AC3E}">
+        <p14:creationId xmlns:p14="http://schemas.microsoft.com/office/powerpoint/2010/main" val="3781225407"/>
       </p:ext>
     </p:extLst>
   </p:cSld>
@@ -2567,7 +5250,7 @@
             <a:pPr lvl="1"/>
             <a:r>
               <a:rPr lang="en-US" altLang="ko-KR" dirty="0"/>
-              <a:t>A multi-threaded program has more than one point of execution.</a:t>
+              <a:t>A multi-threaded program has more than one path of execution</a:t>
             </a:r>
           </a:p>
           <a:p>
@@ -2584,7 +5267,7 @@
               <a:t>They </a:t>
             </a:r>
             <a:r>
-              <a:rPr lang="en-US" altLang="ko-KR">
+              <a:rPr lang="en-US" altLang="ko-KR" dirty="0">
                 <a:solidFill>
                   <a:schemeClr val="accent6">
                     <a:lumMod val="75000"/>
@@ -2594,12 +5277,8 @@
               <a:t>share</a:t>
             </a:r>
             <a:r>
-              <a:rPr lang="en-US" altLang="ko-KR"/>
-              <a:t> the </a:t>
-            </a:r>
-            <a:r>
               <a:rPr lang="en-US" altLang="ko-KR" dirty="0"/>
-              <a:t>same </a:t>
+              <a:t> the same </a:t>
             </a:r>
             <a:r>
               <a:rPr lang="en-US" altLang="ko-KR" dirty="0">
@@ -2611,10 +5290,7 @@
               </a:rPr>
               <a:t>address space</a:t>
             </a:r>
-            <a:r>
-              <a:rPr lang="en-US" altLang="ko-KR" dirty="0"/>
-              <a:t>.</a:t>
-            </a:r>
+            <a:endParaRPr lang="en-US" altLang="ko-KR" dirty="0"/>
           </a:p>
           <a:p>
             <a:pPr lvl="1"/>
@@ -2709,10 +5385,7 @@
               <a:rPr lang="en-US" altLang="ko-KR" u="sng" dirty="0"/>
               <a:t>set of registers</a:t>
             </a:r>
-            <a:r>
-              <a:rPr lang="en-US" altLang="ko-KR" dirty="0"/>
-              <a:t>.</a:t>
-            </a:r>
+            <a:endParaRPr lang="en-US" altLang="ko-KR" dirty="0"/>
           </a:p>
           <a:p>
             <a:pPr lvl="1"/>
@@ -2726,7 +5399,7 @@
             </a:r>
             <a:r>
               <a:rPr lang="en-US" altLang="ko-KR" dirty="0"/>
-              <a:t>are needed to store the state of each thread.</a:t>
+              <a:t>are needed to store the state of each thread</a:t>
             </a:r>
           </a:p>
           <a:p>
@@ -2736,21 +5409,21 @@
           <a:p>
             <a:r>
               <a:rPr lang="en-US" altLang="ko-KR" dirty="0"/>
-              <a:t>When switching from running one (T1) to running the other (T2),</a:t>
+              <a:t>When switching from running one (T1) to running the other (T2)</a:t>
             </a:r>
           </a:p>
           <a:p>
             <a:pPr lvl="1"/>
             <a:r>
               <a:rPr lang="en-US" altLang="ko-KR" dirty="0"/>
-              <a:t>The register state of T1 be saved.</a:t>
+              <a:t>The register state of T1 be saved</a:t>
             </a:r>
           </a:p>
           <a:p>
             <a:pPr lvl="1"/>
             <a:r>
               <a:rPr lang="en-US" altLang="ko-KR" dirty="0"/>
-              <a:t>The register state of T2 restored.</a:t>
+              <a:t>The register state of T2 restored</a:t>
             </a:r>
           </a:p>
           <a:p>
@@ -2771,7 +5444,7 @@
             </a:r>
             <a:r>
               <a:rPr lang="en-US" altLang="ko-KR" dirty="0"/>
-              <a:t> the same.</a:t>
+              <a:t> the same</a:t>
             </a:r>
           </a:p>
         </p:txBody>
@@ -2838,10 +5511,7 @@
               </a:rPr>
               <a:t>one stack per thread</a:t>
             </a:r>
-            <a:r>
-              <a:rPr lang="en-US" altLang="ko-KR" dirty="0"/>
-              <a:t>.</a:t>
-            </a:r>
+            <a:endParaRPr lang="en-US" altLang="ko-KR" dirty="0"/>
           </a:p>
         </p:txBody>
       </p:sp>
@@ -3965,7 +6635,7 @@
                   <a:latin typeface="맑은 고딕" panose="020B0503020000020004" pitchFamily="50" charset="-127"/>
                   <a:ea typeface="맑은 고딕" panose="020B0503020000020004" pitchFamily="50" charset="-127"/>
                 </a:rPr>
-                <a:t>The code segment</a:t>
+                <a:t>The code section</a:t>
               </a:r>
               <a:r>
                 <a:rPr lang="en-US" altLang="ko-KR" sz="1300" dirty="0">
@@ -4017,7 +6687,7 @@
                   <a:latin typeface="맑은 고딕" panose="020B0503020000020004" pitchFamily="50" charset="-127"/>
                   <a:ea typeface="맑은 고딕" panose="020B0503020000020004" pitchFamily="50" charset="-127"/>
                 </a:rPr>
-                <a:t>The heap segment</a:t>
+                <a:t>The heap section</a:t>
               </a:r>
               <a:r>
                 <a:rPr lang="en-US" altLang="ko-KR" sz="1300" dirty="0">
@@ -4083,7 +6753,7 @@
                   <a:latin typeface="맑은 고딕" panose="020B0503020000020004" pitchFamily="50" charset="-127"/>
                   <a:ea typeface="맑은 고딕" panose="020B0503020000020004" pitchFamily="50" charset="-127"/>
                 </a:rPr>
-                <a:t>The stack segment</a:t>
+                <a:t>The stack section</a:t>
               </a:r>
               <a:r>
                 <a:rPr lang="en-US" altLang="ko-KR" sz="1300" dirty="0">
@@ -4175,7 +6845,7 @@
                 <a:latin typeface="맑은 고딕" panose="020B0503020000020004" pitchFamily="50" charset="-127"/>
                 <a:ea typeface="맑은 고딕" panose="020B0503020000020004" pitchFamily="50" charset="-127"/>
               </a:rPr>
-              <a:t>Two threaded</a:t>
+              <a:t>Two-Threaded</a:t>
             </a:r>
           </a:p>
           <a:p>
@@ -4229,62 +6899,13 @@
       </p:grpSpPr>
       <p:sp>
         <p:nvSpPr>
-          <p:cNvPr id="31" name="내용 개체 틀 2"/>
-          <p:cNvSpPr>
-            <a:spLocks noGrp="1"/>
-          </p:cNvSpPr>
-          <p:nvPr>
-            <p:ph idx="1"/>
-          </p:nvPr>
-        </p:nvSpPr>
-        <p:spPr>
-          <a:xfrm>
-            <a:off x="1738313" y="880070"/>
-            <a:ext cx="8786812" cy="5501258"/>
-          </a:xfrm>
-        </p:spPr>
-        <p:txBody>
-          <a:bodyPr/>
-          <a:lstStyle/>
-          <a:p>
-            <a:r>
-              <a:rPr lang="en-US" altLang="ko-KR" dirty="0"/>
-              <a:t>Example with two threads</a:t>
-            </a:r>
-          </a:p>
-          <a:p>
-            <a:pPr lvl="1"/>
-            <a:r>
-              <a:rPr lang="en-US" altLang="ko-KR" dirty="0"/>
-              <a:t>counter = counter + 1 (default is 50)</a:t>
-            </a:r>
-          </a:p>
-          <a:p>
-            <a:pPr lvl="1"/>
-            <a:r>
-              <a:rPr lang="en-US" altLang="ko-KR" dirty="0"/>
-              <a:t>We expect the result is </a:t>
-            </a:r>
-            <a:r>
-              <a:rPr lang="en-US" altLang="ko-KR" dirty="0">
-                <a:solidFill>
-                  <a:schemeClr val="accent6">
-                    <a:lumMod val="75000"/>
-                  </a:schemeClr>
-                </a:solidFill>
-              </a:rPr>
-              <a:t>52</a:t>
-            </a:r>
-            <a:r>
-              <a:rPr lang="en-US" altLang="ko-KR" dirty="0"/>
-              <a:t>. However,</a:t>
-            </a:r>
-          </a:p>
-        </p:txBody>
-      </p:sp>
-      <p:sp>
-        <p:nvSpPr>
-          <p:cNvPr id="2" name="제목 1"/>
+          <p:cNvPr id="3" name="Title 2">
+            <a:extLst>
+              <a:ext uri="{FF2B5EF4-FFF2-40B4-BE49-F238E27FC236}">
+                <a16:creationId xmlns:a16="http://schemas.microsoft.com/office/drawing/2014/main" id="{0B750F66-82E6-476B-B909-B869AF2ED011}"/>
+              </a:ext>
+            </a:extLst>
+          </p:cNvPr>
           <p:cNvSpPr>
             <a:spLocks noGrp="1"/>
           </p:cNvSpPr>
@@ -4298,1398 +6919,88 @@
           <a:lstStyle/>
           <a:p>
             <a:r>
-              <a:rPr lang="en-US" altLang="ko-KR" dirty="0"/>
-              <a:t>Race condition</a:t>
-            </a:r>
-            <a:endParaRPr lang="ko-KR" altLang="en-US" dirty="0"/>
+              <a:rPr lang="en-US" dirty="0"/>
+              <a:t>Why Use Threads?</a:t>
+            </a:r>
+            <a:endParaRPr lang="en-PH" dirty="0"/>
           </a:p>
         </p:txBody>
       </p:sp>
-      <p:grpSp>
-        <p:nvGrpSpPr>
-          <p:cNvPr id="30" name="그룹 29"/>
-          <p:cNvGrpSpPr/>
-          <p:nvPr/>
-        </p:nvGrpSpPr>
-        <p:grpSpPr>
-          <a:xfrm>
-            <a:off x="2279576" y="2503430"/>
-            <a:ext cx="7488832" cy="3733883"/>
-            <a:chOff x="755576" y="2348880"/>
-            <a:chExt cx="7488832" cy="3733883"/>
-          </a:xfrm>
-        </p:grpSpPr>
-        <p:cxnSp>
-          <p:nvCxnSpPr>
-            <p:cNvPr id="7" name="직선 연결선 6"/>
-            <p:cNvCxnSpPr/>
-            <p:nvPr/>
-          </p:nvCxnSpPr>
-          <p:spPr>
-            <a:xfrm>
-              <a:off x="1043608" y="2894666"/>
-              <a:ext cx="7200800" cy="0"/>
-            </a:xfrm>
-            <a:prstGeom prst="line">
-              <a:avLst/>
-            </a:prstGeom>
-            <a:ln w="12700">
-              <a:solidFill>
-                <a:schemeClr val="tx1"/>
-              </a:solidFill>
-              <a:headEnd type="none" w="med" len="med"/>
-              <a:tailEnd type="none" w="med" len="med"/>
-            </a:ln>
-          </p:spPr>
-          <p:style>
-            <a:lnRef idx="1">
-              <a:schemeClr val="accent1"/>
-            </a:lnRef>
-            <a:fillRef idx="0">
-              <a:schemeClr val="accent1"/>
-            </a:fillRef>
-            <a:effectRef idx="0">
-              <a:schemeClr val="accent1"/>
-            </a:effectRef>
-            <a:fontRef idx="minor">
-              <a:schemeClr val="tx1"/>
-            </a:fontRef>
-          </p:style>
-        </p:cxnSp>
-        <p:sp>
-          <p:nvSpPr>
-            <p:cNvPr id="8" name="TextBox 7"/>
-            <p:cNvSpPr txBox="1"/>
-            <p:nvPr/>
-          </p:nvSpPr>
-          <p:spPr>
-            <a:xfrm>
-              <a:off x="996005" y="2556112"/>
-              <a:ext cx="455574" cy="338554"/>
-            </a:xfrm>
-            <a:prstGeom prst="rect">
-              <a:avLst/>
-            </a:prstGeom>
-            <a:noFill/>
-          </p:spPr>
-          <p:txBody>
-            <a:bodyPr wrap="none" rtlCol="0">
-              <a:spAutoFit/>
-            </a:bodyPr>
-            <a:lstStyle/>
-            <a:p>
-              <a:r>
-                <a:rPr lang="en-US" altLang="ko-KR" sz="1600" dirty="0">
-                  <a:solidFill>
-                    <a:prstClr val="black"/>
-                  </a:solidFill>
-                  <a:latin typeface="맑은 고딕" pitchFamily="50" charset="-127"/>
-                  <a:ea typeface="맑은 고딕" pitchFamily="50" charset="-127"/>
-                </a:rPr>
-                <a:t>OS</a:t>
-              </a:r>
-              <a:endParaRPr lang="ko-KR" altLang="en-US" sz="1600" dirty="0">
-                <a:solidFill>
-                  <a:prstClr val="black"/>
-                </a:solidFill>
-                <a:latin typeface="맑은 고딕" pitchFamily="50" charset="-127"/>
-                <a:ea typeface="맑은 고딕" pitchFamily="50" charset="-127"/>
-              </a:endParaRPr>
-            </a:p>
-          </p:txBody>
-        </p:sp>
-        <p:sp>
-          <p:nvSpPr>
-            <p:cNvPr id="9" name="TextBox 8"/>
-            <p:cNvSpPr txBox="1"/>
-            <p:nvPr/>
-          </p:nvSpPr>
-          <p:spPr>
-            <a:xfrm>
-              <a:off x="2411240" y="2556112"/>
-              <a:ext cx="936795" cy="338554"/>
-            </a:xfrm>
-            <a:prstGeom prst="rect">
-              <a:avLst/>
-            </a:prstGeom>
-            <a:noFill/>
-          </p:spPr>
-          <p:txBody>
-            <a:bodyPr wrap="none" rtlCol="0">
-              <a:spAutoFit/>
-            </a:bodyPr>
-            <a:lstStyle/>
-            <a:p>
-              <a:r>
-                <a:rPr lang="en-US" altLang="ko-KR" sz="1600" dirty="0">
-                  <a:solidFill>
-                    <a:prstClr val="black"/>
-                  </a:solidFill>
-                  <a:latin typeface="맑은 고딕" pitchFamily="50" charset="-127"/>
-                  <a:ea typeface="맑은 고딕" pitchFamily="50" charset="-127"/>
-                </a:rPr>
-                <a:t>Thread1</a:t>
-              </a:r>
-              <a:endParaRPr lang="ko-KR" altLang="en-US" sz="1600" dirty="0">
-                <a:solidFill>
-                  <a:prstClr val="black"/>
-                </a:solidFill>
-                <a:latin typeface="맑은 고딕" pitchFamily="50" charset="-127"/>
-                <a:ea typeface="맑은 고딕" pitchFamily="50" charset="-127"/>
-              </a:endParaRPr>
-            </a:p>
-          </p:txBody>
-        </p:sp>
-        <p:sp>
-          <p:nvSpPr>
-            <p:cNvPr id="10" name="TextBox 9"/>
-            <p:cNvSpPr txBox="1"/>
-            <p:nvPr/>
-          </p:nvSpPr>
-          <p:spPr>
-            <a:xfrm>
-              <a:off x="4210749" y="2556112"/>
-              <a:ext cx="936795" cy="338554"/>
-            </a:xfrm>
-            <a:prstGeom prst="rect">
-              <a:avLst/>
-            </a:prstGeom>
-            <a:noFill/>
-          </p:spPr>
-          <p:txBody>
-            <a:bodyPr wrap="none" rtlCol="0">
-              <a:spAutoFit/>
-            </a:bodyPr>
-            <a:lstStyle/>
-            <a:p>
-              <a:r>
-                <a:rPr lang="en-US" altLang="ko-KR" sz="1600" dirty="0">
-                  <a:solidFill>
-                    <a:prstClr val="black"/>
-                  </a:solidFill>
-                  <a:latin typeface="맑은 고딕" pitchFamily="50" charset="-127"/>
-                  <a:ea typeface="맑은 고딕" pitchFamily="50" charset="-127"/>
-                </a:rPr>
-                <a:t>Thread2</a:t>
-              </a:r>
-              <a:endParaRPr lang="ko-KR" altLang="en-US" sz="1600" dirty="0">
-                <a:solidFill>
-                  <a:prstClr val="black"/>
-                </a:solidFill>
-                <a:latin typeface="맑은 고딕" pitchFamily="50" charset="-127"/>
-                <a:ea typeface="맑은 고딕" pitchFamily="50" charset="-127"/>
-              </a:endParaRPr>
-            </a:p>
-          </p:txBody>
-        </p:sp>
-        <p:sp>
-          <p:nvSpPr>
-            <p:cNvPr id="11" name="TextBox 10"/>
-            <p:cNvSpPr txBox="1"/>
-            <p:nvPr/>
-          </p:nvSpPr>
-          <p:spPr>
-            <a:xfrm>
-              <a:off x="6156176" y="2556112"/>
-              <a:ext cx="431528" cy="338554"/>
-            </a:xfrm>
-            <a:prstGeom prst="rect">
-              <a:avLst/>
-            </a:prstGeom>
-            <a:noFill/>
-          </p:spPr>
-          <p:txBody>
-            <a:bodyPr wrap="none" rtlCol="0">
-              <a:spAutoFit/>
-            </a:bodyPr>
-            <a:lstStyle/>
-            <a:p>
-              <a:r>
-                <a:rPr lang="en-US" altLang="ko-KR" sz="1600" dirty="0">
-                  <a:solidFill>
-                    <a:prstClr val="black"/>
-                  </a:solidFill>
-                  <a:latin typeface="맑은 고딕" pitchFamily="50" charset="-127"/>
-                  <a:ea typeface="맑은 고딕" pitchFamily="50" charset="-127"/>
-                </a:rPr>
-                <a:t>PC</a:t>
-              </a:r>
-            </a:p>
-          </p:txBody>
-        </p:sp>
-        <p:sp>
-          <p:nvSpPr>
-            <p:cNvPr id="12" name="TextBox 11"/>
-            <p:cNvSpPr txBox="1"/>
-            <p:nvPr/>
-          </p:nvSpPr>
-          <p:spPr>
-            <a:xfrm>
-              <a:off x="6637408" y="2556112"/>
-              <a:ext cx="670376" cy="338554"/>
-            </a:xfrm>
-            <a:prstGeom prst="rect">
-              <a:avLst/>
-            </a:prstGeom>
-            <a:noFill/>
-          </p:spPr>
-          <p:txBody>
-            <a:bodyPr wrap="none" rtlCol="0">
-              <a:spAutoFit/>
-            </a:bodyPr>
-            <a:lstStyle/>
-            <a:p>
-              <a:r>
-                <a:rPr lang="en-US" altLang="ko-KR" sz="1600" dirty="0">
-                  <a:solidFill>
-                    <a:prstClr val="black"/>
-                  </a:solidFill>
-                  <a:latin typeface="맑은 고딕" pitchFamily="50" charset="-127"/>
-                  <a:ea typeface="맑은 고딕" pitchFamily="50" charset="-127"/>
-                </a:rPr>
-                <a:t>%</a:t>
-              </a:r>
-              <a:r>
-                <a:rPr lang="en-US" altLang="ko-KR" sz="1600" dirty="0" err="1">
-                  <a:solidFill>
-                    <a:prstClr val="black"/>
-                  </a:solidFill>
-                  <a:latin typeface="맑은 고딕" pitchFamily="50" charset="-127"/>
-                  <a:ea typeface="맑은 고딕" pitchFamily="50" charset="-127"/>
-                </a:rPr>
-                <a:t>eax</a:t>
-              </a:r>
-              <a:endParaRPr lang="en-US" altLang="ko-KR" sz="1600" dirty="0">
-                <a:solidFill>
-                  <a:prstClr val="black"/>
-                </a:solidFill>
-                <a:latin typeface="맑은 고딕" pitchFamily="50" charset="-127"/>
-                <a:ea typeface="맑은 고딕" pitchFamily="50" charset="-127"/>
-              </a:endParaRPr>
-            </a:p>
-          </p:txBody>
-        </p:sp>
-        <p:sp>
-          <p:nvSpPr>
-            <p:cNvPr id="13" name="TextBox 12"/>
-            <p:cNvSpPr txBox="1"/>
-            <p:nvPr/>
-          </p:nvSpPr>
-          <p:spPr>
-            <a:xfrm>
-              <a:off x="7277211" y="2556112"/>
-              <a:ext cx="894669" cy="338554"/>
-            </a:xfrm>
-            <a:prstGeom prst="rect">
-              <a:avLst/>
-            </a:prstGeom>
-            <a:noFill/>
-          </p:spPr>
-          <p:txBody>
-            <a:bodyPr wrap="none" rtlCol="0">
-              <a:spAutoFit/>
-            </a:bodyPr>
-            <a:lstStyle/>
-            <a:p>
-              <a:r>
-                <a:rPr lang="en-US" altLang="ko-KR" sz="1600" dirty="0">
-                  <a:solidFill>
-                    <a:prstClr val="black"/>
-                  </a:solidFill>
-                  <a:latin typeface="맑은 고딕" pitchFamily="50" charset="-127"/>
-                  <a:ea typeface="맑은 고딕" pitchFamily="50" charset="-127"/>
-                </a:rPr>
-                <a:t>counter</a:t>
-              </a:r>
-            </a:p>
-          </p:txBody>
-        </p:sp>
-        <p:sp>
-          <p:nvSpPr>
-            <p:cNvPr id="15" name="TextBox 14"/>
-            <p:cNvSpPr txBox="1"/>
-            <p:nvPr/>
-          </p:nvSpPr>
-          <p:spPr>
-            <a:xfrm>
-              <a:off x="2267744" y="2952716"/>
-              <a:ext cx="2654894" cy="738664"/>
-            </a:xfrm>
-            <a:prstGeom prst="rect">
-              <a:avLst/>
-            </a:prstGeom>
-            <a:noFill/>
-          </p:spPr>
-          <p:txBody>
-            <a:bodyPr wrap="none" rtlCol="0">
-              <a:spAutoFit/>
-            </a:bodyPr>
-            <a:lstStyle/>
-            <a:p>
-              <a:r>
-                <a:rPr lang="en-US" altLang="ko-KR" sz="1400" dirty="0">
-                  <a:solidFill>
-                    <a:prstClr val="black"/>
-                  </a:solidFill>
-                  <a:latin typeface="Courier" pitchFamily="49" charset="0"/>
-                  <a:ea typeface="맑은 고딕" pitchFamily="50" charset="-127"/>
-                </a:rPr>
-                <a:t>before critical section</a:t>
-              </a:r>
-            </a:p>
-            <a:p>
-              <a:r>
-                <a:rPr lang="en-US" altLang="ko-KR" sz="1400" dirty="0" err="1">
-                  <a:solidFill>
-                    <a:prstClr val="black"/>
-                  </a:solidFill>
-                  <a:latin typeface="Courier" pitchFamily="49" charset="0"/>
-                  <a:ea typeface="맑은 고딕" pitchFamily="50" charset="-127"/>
-                </a:rPr>
-                <a:t>mov</a:t>
-              </a:r>
-              <a:r>
-                <a:rPr lang="en-US" altLang="ko-KR" sz="1400" dirty="0">
-                  <a:solidFill>
-                    <a:prstClr val="black"/>
-                  </a:solidFill>
-                  <a:latin typeface="Courier" pitchFamily="49" charset="0"/>
-                  <a:ea typeface="맑은 고딕" pitchFamily="50" charset="-127"/>
-                </a:rPr>
-                <a:t> 0x8049a1c, %</a:t>
-              </a:r>
-              <a:r>
-                <a:rPr lang="en-US" altLang="ko-KR" sz="1400" dirty="0" err="1">
-                  <a:solidFill>
-                    <a:prstClr val="black"/>
-                  </a:solidFill>
-                  <a:latin typeface="Courier" pitchFamily="49" charset="0"/>
-                  <a:ea typeface="맑은 고딕" pitchFamily="50" charset="-127"/>
-                </a:rPr>
-                <a:t>eax</a:t>
-              </a:r>
-              <a:endParaRPr lang="en-US" altLang="ko-KR" sz="1400" dirty="0">
-                <a:solidFill>
-                  <a:prstClr val="black"/>
-                </a:solidFill>
-                <a:latin typeface="Courier" pitchFamily="49" charset="0"/>
-                <a:ea typeface="맑은 고딕" pitchFamily="50" charset="-127"/>
-              </a:endParaRPr>
-            </a:p>
-            <a:p>
-              <a:r>
-                <a:rPr lang="en-US" altLang="ko-KR" sz="1400" dirty="0">
-                  <a:solidFill>
-                    <a:prstClr val="black"/>
-                  </a:solidFill>
-                  <a:latin typeface="Courier" pitchFamily="49" charset="0"/>
-                  <a:ea typeface="맑은 고딕" pitchFamily="50" charset="-127"/>
-                </a:rPr>
-                <a:t>add $0x1, %</a:t>
-              </a:r>
-              <a:r>
-                <a:rPr lang="en-US" altLang="ko-KR" sz="1400" dirty="0" err="1">
-                  <a:solidFill>
-                    <a:prstClr val="black"/>
-                  </a:solidFill>
-                  <a:latin typeface="Courier" pitchFamily="49" charset="0"/>
-                  <a:ea typeface="맑은 고딕" pitchFamily="50" charset="-127"/>
-                </a:rPr>
-                <a:t>eax</a:t>
-              </a:r>
-              <a:endParaRPr lang="ko-KR" altLang="en-US" sz="1400" dirty="0">
-                <a:solidFill>
-                  <a:prstClr val="black"/>
-                </a:solidFill>
-                <a:latin typeface="Courier" pitchFamily="49" charset="0"/>
-                <a:ea typeface="맑은 고딕" pitchFamily="50" charset="-127"/>
-              </a:endParaRPr>
-            </a:p>
-          </p:txBody>
-        </p:sp>
-        <p:sp>
-          <p:nvSpPr>
-            <p:cNvPr id="16" name="TextBox 15"/>
-            <p:cNvSpPr txBox="1"/>
-            <p:nvPr/>
-          </p:nvSpPr>
-          <p:spPr>
-            <a:xfrm>
-              <a:off x="6156176" y="2952716"/>
-              <a:ext cx="506870" cy="738664"/>
-            </a:xfrm>
-            <a:prstGeom prst="rect">
-              <a:avLst/>
-            </a:prstGeom>
-            <a:noFill/>
-          </p:spPr>
-          <p:txBody>
-            <a:bodyPr wrap="none" rtlCol="0">
-              <a:spAutoFit/>
-            </a:bodyPr>
-            <a:lstStyle/>
-            <a:p>
-              <a:r>
-                <a:rPr lang="en-US" altLang="ko-KR" sz="1400" dirty="0">
-                  <a:solidFill>
-                    <a:prstClr val="black"/>
-                  </a:solidFill>
-                  <a:latin typeface="Courier" pitchFamily="49" charset="0"/>
-                  <a:ea typeface="맑은 고딕" pitchFamily="50" charset="-127"/>
-                </a:rPr>
-                <a:t>100</a:t>
-              </a:r>
-            </a:p>
-            <a:p>
-              <a:r>
-                <a:rPr lang="en-US" altLang="ko-KR" sz="1400" dirty="0">
-                  <a:solidFill>
-                    <a:prstClr val="black"/>
-                  </a:solidFill>
-                  <a:latin typeface="Courier" pitchFamily="49" charset="0"/>
-                  <a:ea typeface="맑은 고딕" pitchFamily="50" charset="-127"/>
-                </a:rPr>
-                <a:t>105</a:t>
-              </a:r>
-            </a:p>
-            <a:p>
-              <a:r>
-                <a:rPr lang="en-US" altLang="ko-KR" sz="1400" dirty="0">
-                  <a:solidFill>
-                    <a:prstClr val="black"/>
-                  </a:solidFill>
-                  <a:latin typeface="Courier" pitchFamily="49" charset="0"/>
-                  <a:ea typeface="맑은 고딕" pitchFamily="50" charset="-127"/>
-                </a:rPr>
-                <a:t>108</a:t>
-              </a:r>
-            </a:p>
-          </p:txBody>
-        </p:sp>
-        <p:sp>
-          <p:nvSpPr>
-            <p:cNvPr id="17" name="TextBox 16"/>
-            <p:cNvSpPr txBox="1"/>
-            <p:nvPr/>
-          </p:nvSpPr>
-          <p:spPr>
-            <a:xfrm>
-              <a:off x="6801434" y="2952716"/>
-              <a:ext cx="399468" cy="738664"/>
-            </a:xfrm>
-            <a:prstGeom prst="rect">
-              <a:avLst/>
-            </a:prstGeom>
-            <a:noFill/>
-          </p:spPr>
-          <p:txBody>
-            <a:bodyPr wrap="none" rtlCol="0">
-              <a:spAutoFit/>
-            </a:bodyPr>
-            <a:lstStyle/>
-            <a:p>
-              <a:r>
-                <a:rPr lang="en-US" altLang="ko-KR" sz="1400" dirty="0">
-                  <a:solidFill>
-                    <a:prstClr val="black"/>
-                  </a:solidFill>
-                  <a:latin typeface="Courier" pitchFamily="49" charset="0"/>
-                  <a:ea typeface="맑은 고딕" pitchFamily="50" charset="-127"/>
-                </a:rPr>
-                <a:t>0</a:t>
-              </a:r>
-            </a:p>
-            <a:p>
-              <a:r>
-                <a:rPr lang="en-US" altLang="ko-KR" sz="1400" dirty="0">
-                  <a:solidFill>
-                    <a:prstClr val="black"/>
-                  </a:solidFill>
-                  <a:latin typeface="Courier" pitchFamily="49" charset="0"/>
-                  <a:ea typeface="맑은 고딕" pitchFamily="50" charset="-127"/>
-                </a:rPr>
-                <a:t>50</a:t>
-              </a:r>
-            </a:p>
-            <a:p>
-              <a:r>
-                <a:rPr lang="en-US" altLang="ko-KR" sz="1400" dirty="0">
-                  <a:solidFill>
-                    <a:prstClr val="black"/>
-                  </a:solidFill>
-                  <a:latin typeface="Courier" pitchFamily="49" charset="0"/>
-                  <a:ea typeface="맑은 고딕" pitchFamily="50" charset="-127"/>
-                </a:rPr>
-                <a:t>51</a:t>
-              </a:r>
-            </a:p>
-          </p:txBody>
-        </p:sp>
-        <p:sp>
-          <p:nvSpPr>
-            <p:cNvPr id="18" name="TextBox 17"/>
-            <p:cNvSpPr txBox="1"/>
-            <p:nvPr/>
-          </p:nvSpPr>
-          <p:spPr>
-            <a:xfrm>
-              <a:off x="7524328" y="2952716"/>
-              <a:ext cx="399468" cy="738664"/>
-            </a:xfrm>
-            <a:prstGeom prst="rect">
-              <a:avLst/>
-            </a:prstGeom>
-            <a:noFill/>
-          </p:spPr>
-          <p:txBody>
-            <a:bodyPr wrap="none" rtlCol="0">
-              <a:spAutoFit/>
-            </a:bodyPr>
-            <a:lstStyle/>
-            <a:p>
-              <a:r>
-                <a:rPr lang="en-US" altLang="ko-KR" sz="1400" dirty="0">
-                  <a:solidFill>
-                    <a:prstClr val="black"/>
-                  </a:solidFill>
-                  <a:latin typeface="Courier" pitchFamily="49" charset="0"/>
-                  <a:ea typeface="맑은 고딕" pitchFamily="50" charset="-127"/>
-                </a:rPr>
-                <a:t>50</a:t>
-              </a:r>
-            </a:p>
-            <a:p>
-              <a:r>
-                <a:rPr lang="en-US" altLang="ko-KR" sz="1400" dirty="0">
-                  <a:solidFill>
-                    <a:prstClr val="black"/>
-                  </a:solidFill>
-                  <a:latin typeface="Courier" pitchFamily="49" charset="0"/>
-                  <a:ea typeface="맑은 고딕" pitchFamily="50" charset="-127"/>
-                </a:rPr>
-                <a:t>50</a:t>
-              </a:r>
-            </a:p>
-            <a:p>
-              <a:r>
-                <a:rPr lang="en-US" altLang="ko-KR" sz="1400" dirty="0">
-                  <a:solidFill>
-                    <a:prstClr val="black"/>
-                  </a:solidFill>
-                  <a:latin typeface="Courier" pitchFamily="49" charset="0"/>
-                  <a:ea typeface="맑은 고딕" pitchFamily="50" charset="-127"/>
-                </a:rPr>
-                <a:t>50</a:t>
-              </a:r>
-            </a:p>
-          </p:txBody>
-        </p:sp>
-        <p:sp>
-          <p:nvSpPr>
-            <p:cNvPr id="19" name="TextBox 18"/>
-            <p:cNvSpPr txBox="1"/>
-            <p:nvPr/>
-          </p:nvSpPr>
-          <p:spPr>
-            <a:xfrm>
-              <a:off x="755576" y="3739017"/>
-              <a:ext cx="2225289" cy="738664"/>
-            </a:xfrm>
-            <a:prstGeom prst="rect">
-              <a:avLst/>
-            </a:prstGeom>
-            <a:noFill/>
-          </p:spPr>
-          <p:txBody>
-            <a:bodyPr wrap="none" rtlCol="0">
-              <a:spAutoFit/>
-            </a:bodyPr>
-            <a:lstStyle/>
-            <a:p>
-              <a:r>
-                <a:rPr lang="en-US" altLang="ko-KR" sz="1400" dirty="0">
-                  <a:solidFill>
-                    <a:prstClr val="black"/>
-                  </a:solidFill>
-                  <a:latin typeface="Courier" pitchFamily="49" charset="0"/>
-                  <a:ea typeface="맑은 고딕" pitchFamily="50" charset="-127"/>
-                </a:rPr>
-                <a:t>interrupt</a:t>
-              </a:r>
-            </a:p>
-            <a:p>
-              <a:r>
-                <a:rPr lang="en-US" altLang="ko-KR" sz="1400" dirty="0">
-                  <a:solidFill>
-                    <a:prstClr val="black"/>
-                  </a:solidFill>
-                  <a:latin typeface="Courier" pitchFamily="49" charset="0"/>
-                  <a:ea typeface="맑은 고딕" pitchFamily="50" charset="-127"/>
-                </a:rPr>
-                <a:t> save T1’s state</a:t>
-              </a:r>
-            </a:p>
-            <a:p>
-              <a:r>
-                <a:rPr lang="en-US" altLang="ko-KR" sz="1400" dirty="0">
-                  <a:solidFill>
-                    <a:prstClr val="black"/>
-                  </a:solidFill>
-                  <a:latin typeface="Courier" pitchFamily="49" charset="0"/>
-                  <a:ea typeface="맑은 고딕" pitchFamily="50" charset="-127"/>
-                </a:rPr>
-                <a:t> restore T2’s state</a:t>
-              </a:r>
-              <a:endParaRPr lang="ko-KR" altLang="en-US" sz="1400" dirty="0">
-                <a:solidFill>
-                  <a:prstClr val="black"/>
-                </a:solidFill>
-                <a:latin typeface="Courier" pitchFamily="49" charset="0"/>
-                <a:ea typeface="맑은 고딕" pitchFamily="50" charset="-127"/>
-              </a:endParaRPr>
-            </a:p>
-          </p:txBody>
-        </p:sp>
-        <p:sp>
-          <p:nvSpPr>
-            <p:cNvPr id="20" name="TextBox 19"/>
-            <p:cNvSpPr txBox="1"/>
-            <p:nvPr/>
-          </p:nvSpPr>
-          <p:spPr>
-            <a:xfrm>
-              <a:off x="3858879" y="4389250"/>
-              <a:ext cx="2225289" cy="738664"/>
-            </a:xfrm>
-            <a:prstGeom prst="rect">
-              <a:avLst/>
-            </a:prstGeom>
-            <a:noFill/>
-          </p:spPr>
-          <p:txBody>
-            <a:bodyPr wrap="none" rtlCol="0">
-              <a:spAutoFit/>
-            </a:bodyPr>
-            <a:lstStyle/>
-            <a:p>
-              <a:r>
-                <a:rPr lang="en-US" altLang="ko-KR" sz="1400" dirty="0" err="1">
-                  <a:solidFill>
-                    <a:prstClr val="black"/>
-                  </a:solidFill>
-                  <a:latin typeface="Courier" pitchFamily="49" charset="0"/>
-                  <a:ea typeface="맑은 고딕" pitchFamily="50" charset="-127"/>
-                </a:rPr>
-                <a:t>mov</a:t>
-              </a:r>
-              <a:r>
-                <a:rPr lang="en-US" altLang="ko-KR" sz="1400" dirty="0">
-                  <a:solidFill>
-                    <a:prstClr val="black"/>
-                  </a:solidFill>
-                  <a:latin typeface="Courier" pitchFamily="49" charset="0"/>
-                  <a:ea typeface="맑은 고딕" pitchFamily="50" charset="-127"/>
-                </a:rPr>
-                <a:t> 0x8049a1c, %</a:t>
-              </a:r>
-              <a:r>
-                <a:rPr lang="en-US" altLang="ko-KR" sz="1400" dirty="0" err="1">
-                  <a:solidFill>
-                    <a:prstClr val="black"/>
-                  </a:solidFill>
-                  <a:latin typeface="Courier" pitchFamily="49" charset="0"/>
-                  <a:ea typeface="맑은 고딕" pitchFamily="50" charset="-127"/>
-                </a:rPr>
-                <a:t>eax</a:t>
-              </a:r>
-              <a:endParaRPr lang="en-US" altLang="ko-KR" sz="1400" dirty="0">
-                <a:solidFill>
-                  <a:prstClr val="black"/>
-                </a:solidFill>
-                <a:latin typeface="Courier" pitchFamily="49" charset="0"/>
-                <a:ea typeface="맑은 고딕" pitchFamily="50" charset="-127"/>
-              </a:endParaRPr>
-            </a:p>
-            <a:p>
-              <a:r>
-                <a:rPr lang="en-US" altLang="ko-KR" sz="1400" dirty="0">
-                  <a:solidFill>
-                    <a:prstClr val="black"/>
-                  </a:solidFill>
-                  <a:latin typeface="Courier" pitchFamily="49" charset="0"/>
-                  <a:ea typeface="맑은 고딕" pitchFamily="50" charset="-127"/>
-                </a:rPr>
-                <a:t>add $0x1, %</a:t>
-              </a:r>
-              <a:r>
-                <a:rPr lang="en-US" altLang="ko-KR" sz="1400" dirty="0" err="1">
-                  <a:solidFill>
-                    <a:prstClr val="black"/>
-                  </a:solidFill>
-                  <a:latin typeface="Courier" pitchFamily="49" charset="0"/>
-                  <a:ea typeface="맑은 고딕" pitchFamily="50" charset="-127"/>
-                </a:rPr>
-                <a:t>eax</a:t>
-              </a:r>
-              <a:endParaRPr lang="en-US" altLang="ko-KR" sz="1400" dirty="0">
-                <a:solidFill>
-                  <a:prstClr val="black"/>
-                </a:solidFill>
-                <a:latin typeface="Courier" pitchFamily="49" charset="0"/>
-                <a:ea typeface="맑은 고딕" pitchFamily="50" charset="-127"/>
-              </a:endParaRPr>
-            </a:p>
-            <a:p>
-              <a:r>
-                <a:rPr lang="en-US" altLang="ko-KR" sz="1400" dirty="0" err="1">
-                  <a:solidFill>
-                    <a:prstClr val="black"/>
-                  </a:solidFill>
-                  <a:latin typeface="Courier" pitchFamily="49" charset="0"/>
-                  <a:ea typeface="맑은 고딕" pitchFamily="50" charset="-127"/>
-                </a:rPr>
-                <a:t>mov</a:t>
-              </a:r>
-              <a:r>
-                <a:rPr lang="en-US" altLang="ko-KR" sz="1400" dirty="0">
-                  <a:solidFill>
-                    <a:prstClr val="black"/>
-                  </a:solidFill>
-                  <a:latin typeface="Courier" pitchFamily="49" charset="0"/>
-                  <a:ea typeface="맑은 고딕" pitchFamily="50" charset="-127"/>
-                </a:rPr>
-                <a:t> %</a:t>
-              </a:r>
-              <a:r>
-                <a:rPr lang="en-US" altLang="ko-KR" sz="1400" dirty="0" err="1">
-                  <a:solidFill>
-                    <a:prstClr val="black"/>
-                  </a:solidFill>
-                  <a:latin typeface="Courier" pitchFamily="49" charset="0"/>
-                  <a:ea typeface="맑은 고딕" pitchFamily="50" charset="-127"/>
-                </a:rPr>
-                <a:t>eax</a:t>
-              </a:r>
-              <a:r>
-                <a:rPr lang="en-US" altLang="ko-KR" sz="1400" dirty="0">
-                  <a:solidFill>
-                    <a:prstClr val="black"/>
-                  </a:solidFill>
-                  <a:latin typeface="Courier" pitchFamily="49" charset="0"/>
-                  <a:ea typeface="맑은 고딕" pitchFamily="50" charset="-127"/>
-                </a:rPr>
-                <a:t>, 0x8049a1c</a:t>
-              </a:r>
-              <a:endParaRPr lang="ko-KR" altLang="en-US" sz="1400" dirty="0">
-                <a:solidFill>
-                  <a:prstClr val="black"/>
-                </a:solidFill>
-                <a:latin typeface="Courier" pitchFamily="49" charset="0"/>
-                <a:ea typeface="맑은 고딕" pitchFamily="50" charset="-127"/>
-              </a:endParaRPr>
-            </a:p>
-          </p:txBody>
-        </p:sp>
-        <p:sp>
-          <p:nvSpPr>
-            <p:cNvPr id="21" name="TextBox 20"/>
-            <p:cNvSpPr txBox="1"/>
-            <p:nvPr/>
-          </p:nvSpPr>
-          <p:spPr>
-            <a:xfrm>
-              <a:off x="6156176" y="4190810"/>
-              <a:ext cx="506870" cy="954107"/>
-            </a:xfrm>
-            <a:prstGeom prst="rect">
-              <a:avLst/>
-            </a:prstGeom>
-            <a:noFill/>
-          </p:spPr>
-          <p:txBody>
-            <a:bodyPr wrap="none" rtlCol="0">
-              <a:spAutoFit/>
-            </a:bodyPr>
-            <a:lstStyle/>
-            <a:p>
-              <a:r>
-                <a:rPr lang="en-US" altLang="ko-KR" sz="1400" dirty="0">
-                  <a:solidFill>
-                    <a:prstClr val="black"/>
-                  </a:solidFill>
-                  <a:latin typeface="Courier" pitchFamily="49" charset="0"/>
-                  <a:ea typeface="맑은 고딕" pitchFamily="50" charset="-127"/>
-                </a:rPr>
-                <a:t>100</a:t>
-              </a:r>
-            </a:p>
-            <a:p>
-              <a:r>
-                <a:rPr lang="en-US" altLang="ko-KR" sz="1400" dirty="0">
-                  <a:solidFill>
-                    <a:prstClr val="black"/>
-                  </a:solidFill>
-                  <a:latin typeface="Courier" pitchFamily="49" charset="0"/>
-                  <a:ea typeface="맑은 고딕" pitchFamily="50" charset="-127"/>
-                </a:rPr>
-                <a:t>105</a:t>
-              </a:r>
-            </a:p>
-            <a:p>
-              <a:r>
-                <a:rPr lang="en-US" altLang="ko-KR" sz="1400" dirty="0">
-                  <a:solidFill>
-                    <a:prstClr val="black"/>
-                  </a:solidFill>
-                  <a:latin typeface="Courier" pitchFamily="49" charset="0"/>
-                  <a:ea typeface="맑은 고딕" pitchFamily="50" charset="-127"/>
-                </a:rPr>
-                <a:t>108</a:t>
-              </a:r>
-            </a:p>
-            <a:p>
-              <a:r>
-                <a:rPr lang="en-US" altLang="ko-KR" sz="1400" dirty="0">
-                  <a:solidFill>
-                    <a:prstClr val="black"/>
-                  </a:solidFill>
-                  <a:latin typeface="Courier" pitchFamily="49" charset="0"/>
-                  <a:ea typeface="맑은 고딕" pitchFamily="50" charset="-127"/>
-                </a:rPr>
-                <a:t>113</a:t>
-              </a:r>
-            </a:p>
-          </p:txBody>
-        </p:sp>
-        <p:sp>
-          <p:nvSpPr>
-            <p:cNvPr id="22" name="TextBox 21"/>
-            <p:cNvSpPr txBox="1"/>
-            <p:nvPr/>
-          </p:nvSpPr>
-          <p:spPr>
-            <a:xfrm>
-              <a:off x="6801434" y="4190810"/>
-              <a:ext cx="399468" cy="954107"/>
-            </a:xfrm>
-            <a:prstGeom prst="rect">
-              <a:avLst/>
-            </a:prstGeom>
-            <a:noFill/>
-          </p:spPr>
-          <p:txBody>
-            <a:bodyPr wrap="none" rtlCol="0">
-              <a:spAutoFit/>
-            </a:bodyPr>
-            <a:lstStyle/>
-            <a:p>
-              <a:r>
-                <a:rPr lang="en-US" altLang="ko-KR" sz="1400" dirty="0">
-                  <a:solidFill>
-                    <a:prstClr val="black"/>
-                  </a:solidFill>
-                  <a:latin typeface="Courier" pitchFamily="49" charset="0"/>
-                  <a:ea typeface="맑은 고딕" pitchFamily="50" charset="-127"/>
-                </a:rPr>
-                <a:t>0</a:t>
-              </a:r>
-            </a:p>
-            <a:p>
-              <a:r>
-                <a:rPr lang="en-US" altLang="ko-KR" sz="1400" dirty="0">
-                  <a:solidFill>
-                    <a:prstClr val="black"/>
-                  </a:solidFill>
-                  <a:latin typeface="Courier" pitchFamily="49" charset="0"/>
-                  <a:ea typeface="맑은 고딕" pitchFamily="50" charset="-127"/>
-                </a:rPr>
-                <a:t>50</a:t>
-              </a:r>
-            </a:p>
-            <a:p>
-              <a:r>
-                <a:rPr lang="en-US" altLang="ko-KR" sz="1400" dirty="0">
-                  <a:solidFill>
-                    <a:prstClr val="black"/>
-                  </a:solidFill>
-                  <a:latin typeface="Courier" pitchFamily="49" charset="0"/>
-                  <a:ea typeface="맑은 고딕" pitchFamily="50" charset="-127"/>
-                </a:rPr>
-                <a:t>51</a:t>
-              </a:r>
-            </a:p>
-            <a:p>
-              <a:r>
-                <a:rPr lang="en-US" altLang="ko-KR" sz="1400" dirty="0">
-                  <a:solidFill>
-                    <a:prstClr val="black"/>
-                  </a:solidFill>
-                  <a:latin typeface="Courier" pitchFamily="49" charset="0"/>
-                  <a:ea typeface="맑은 고딕" pitchFamily="50" charset="-127"/>
-                </a:rPr>
-                <a:t>51</a:t>
-              </a:r>
-            </a:p>
-          </p:txBody>
-        </p:sp>
-        <p:sp>
-          <p:nvSpPr>
-            <p:cNvPr id="23" name="TextBox 22"/>
-            <p:cNvSpPr txBox="1"/>
-            <p:nvPr/>
-          </p:nvSpPr>
-          <p:spPr>
-            <a:xfrm>
-              <a:off x="7524328" y="4190810"/>
-              <a:ext cx="399468" cy="954107"/>
-            </a:xfrm>
-            <a:prstGeom prst="rect">
-              <a:avLst/>
-            </a:prstGeom>
-            <a:noFill/>
-          </p:spPr>
-          <p:txBody>
-            <a:bodyPr wrap="none" rtlCol="0">
-              <a:spAutoFit/>
-            </a:bodyPr>
-            <a:lstStyle/>
-            <a:p>
-              <a:r>
-                <a:rPr lang="en-US" altLang="ko-KR" sz="1400" dirty="0">
-                  <a:solidFill>
-                    <a:prstClr val="black"/>
-                  </a:solidFill>
-                  <a:latin typeface="Courier" pitchFamily="49" charset="0"/>
-                  <a:ea typeface="맑은 고딕" pitchFamily="50" charset="-127"/>
-                </a:rPr>
-                <a:t>50</a:t>
-              </a:r>
-            </a:p>
-            <a:p>
-              <a:r>
-                <a:rPr lang="en-US" altLang="ko-KR" sz="1400" dirty="0">
-                  <a:solidFill>
-                    <a:prstClr val="black"/>
-                  </a:solidFill>
-                  <a:latin typeface="Courier" pitchFamily="49" charset="0"/>
-                  <a:ea typeface="맑은 고딕" pitchFamily="50" charset="-127"/>
-                </a:rPr>
-                <a:t>50</a:t>
-              </a:r>
-            </a:p>
-            <a:p>
-              <a:r>
-                <a:rPr lang="en-US" altLang="ko-KR" sz="1400" dirty="0">
-                  <a:solidFill>
-                    <a:prstClr val="black"/>
-                  </a:solidFill>
-                  <a:latin typeface="Courier" pitchFamily="49" charset="0"/>
-                  <a:ea typeface="맑은 고딕" pitchFamily="50" charset="-127"/>
-                </a:rPr>
-                <a:t>50</a:t>
-              </a:r>
-            </a:p>
-            <a:p>
-              <a:r>
-                <a:rPr lang="en-US" altLang="ko-KR" sz="1400" dirty="0">
-                  <a:solidFill>
-                    <a:prstClr val="black"/>
-                  </a:solidFill>
-                  <a:latin typeface="Courier" pitchFamily="49" charset="0"/>
-                  <a:ea typeface="맑은 고딕" pitchFamily="50" charset="-127"/>
-                </a:rPr>
-                <a:t>51</a:t>
-              </a:r>
-            </a:p>
-          </p:txBody>
-        </p:sp>
-        <p:sp>
-          <p:nvSpPr>
-            <p:cNvPr id="24" name="TextBox 23"/>
-            <p:cNvSpPr txBox="1"/>
-            <p:nvPr/>
-          </p:nvSpPr>
-          <p:spPr>
-            <a:xfrm>
-              <a:off x="755576" y="5109984"/>
-              <a:ext cx="2225289" cy="738664"/>
-            </a:xfrm>
-            <a:prstGeom prst="rect">
-              <a:avLst/>
-            </a:prstGeom>
-            <a:noFill/>
-          </p:spPr>
-          <p:txBody>
-            <a:bodyPr wrap="none" rtlCol="0">
-              <a:spAutoFit/>
-            </a:bodyPr>
-            <a:lstStyle/>
-            <a:p>
-              <a:r>
-                <a:rPr lang="en-US" altLang="ko-KR" sz="1400" dirty="0">
-                  <a:solidFill>
-                    <a:prstClr val="black"/>
-                  </a:solidFill>
-                  <a:latin typeface="Courier" pitchFamily="49" charset="0"/>
-                  <a:ea typeface="맑은 고딕" pitchFamily="50" charset="-127"/>
-                </a:rPr>
-                <a:t>interrupt</a:t>
-              </a:r>
-            </a:p>
-            <a:p>
-              <a:r>
-                <a:rPr lang="en-US" altLang="ko-KR" sz="1400" dirty="0">
-                  <a:solidFill>
-                    <a:prstClr val="black"/>
-                  </a:solidFill>
-                  <a:latin typeface="Courier" pitchFamily="49" charset="0"/>
-                  <a:ea typeface="맑은 고딕" pitchFamily="50" charset="-127"/>
-                </a:rPr>
-                <a:t> save T2’s state</a:t>
-              </a:r>
-            </a:p>
-            <a:p>
-              <a:r>
-                <a:rPr lang="en-US" altLang="ko-KR" sz="1400" dirty="0">
-                  <a:solidFill>
-                    <a:prstClr val="black"/>
-                  </a:solidFill>
-                  <a:latin typeface="Courier" pitchFamily="49" charset="0"/>
-                  <a:ea typeface="맑은 고딕" pitchFamily="50" charset="-127"/>
-                </a:rPr>
-                <a:t> restore T1’s state</a:t>
-              </a:r>
-              <a:endParaRPr lang="ko-KR" altLang="en-US" sz="1400" dirty="0">
-                <a:solidFill>
-                  <a:prstClr val="black"/>
-                </a:solidFill>
-                <a:latin typeface="Courier" pitchFamily="49" charset="0"/>
-                <a:ea typeface="맑은 고딕" pitchFamily="50" charset="-127"/>
-              </a:endParaRPr>
-            </a:p>
-          </p:txBody>
-        </p:sp>
-        <p:sp>
-          <p:nvSpPr>
-            <p:cNvPr id="25" name="TextBox 24"/>
-            <p:cNvSpPr txBox="1"/>
-            <p:nvPr/>
-          </p:nvSpPr>
-          <p:spPr>
-            <a:xfrm>
-              <a:off x="2267744" y="5774986"/>
-              <a:ext cx="2225289" cy="307777"/>
-            </a:xfrm>
-            <a:prstGeom prst="rect">
-              <a:avLst/>
-            </a:prstGeom>
-            <a:noFill/>
-          </p:spPr>
-          <p:txBody>
-            <a:bodyPr wrap="none" rtlCol="0">
-              <a:spAutoFit/>
-            </a:bodyPr>
-            <a:lstStyle/>
-            <a:p>
-              <a:r>
-                <a:rPr lang="en-US" altLang="ko-KR" sz="1400" dirty="0" err="1">
-                  <a:solidFill>
-                    <a:prstClr val="black"/>
-                  </a:solidFill>
-                  <a:latin typeface="Courier" pitchFamily="49" charset="0"/>
-                  <a:ea typeface="맑은 고딕" pitchFamily="50" charset="-127"/>
-                </a:rPr>
-                <a:t>mov</a:t>
-              </a:r>
-              <a:r>
-                <a:rPr lang="en-US" altLang="ko-KR" sz="1400" dirty="0">
-                  <a:solidFill>
-                    <a:prstClr val="black"/>
-                  </a:solidFill>
-                  <a:latin typeface="Courier" pitchFamily="49" charset="0"/>
-                  <a:ea typeface="맑은 고딕" pitchFamily="50" charset="-127"/>
-                </a:rPr>
-                <a:t> %</a:t>
-              </a:r>
-              <a:r>
-                <a:rPr lang="en-US" altLang="ko-KR" sz="1400" dirty="0" err="1">
-                  <a:solidFill>
-                    <a:prstClr val="black"/>
-                  </a:solidFill>
-                  <a:latin typeface="Courier" pitchFamily="49" charset="0"/>
-                  <a:ea typeface="맑은 고딕" pitchFamily="50" charset="-127"/>
-                </a:rPr>
-                <a:t>eax</a:t>
-              </a:r>
-              <a:r>
-                <a:rPr lang="en-US" altLang="ko-KR" sz="1400" dirty="0">
-                  <a:solidFill>
-                    <a:prstClr val="black"/>
-                  </a:solidFill>
-                  <a:latin typeface="Courier" pitchFamily="49" charset="0"/>
-                  <a:ea typeface="맑은 고딕" pitchFamily="50" charset="-127"/>
-                </a:rPr>
-                <a:t>, 0x8049a1c</a:t>
-              </a:r>
-              <a:endParaRPr lang="ko-KR" altLang="en-US" sz="1400" dirty="0">
-                <a:solidFill>
-                  <a:prstClr val="black"/>
-                </a:solidFill>
-                <a:latin typeface="Courier" pitchFamily="49" charset="0"/>
-                <a:ea typeface="맑은 고딕" pitchFamily="50" charset="-127"/>
-              </a:endParaRPr>
-            </a:p>
-          </p:txBody>
-        </p:sp>
-        <p:sp>
-          <p:nvSpPr>
-            <p:cNvPr id="26" name="TextBox 25"/>
-            <p:cNvSpPr txBox="1"/>
-            <p:nvPr/>
-          </p:nvSpPr>
-          <p:spPr>
-            <a:xfrm>
-              <a:off x="6156176" y="5559542"/>
-              <a:ext cx="506870" cy="523220"/>
-            </a:xfrm>
-            <a:prstGeom prst="rect">
-              <a:avLst/>
-            </a:prstGeom>
-            <a:noFill/>
-          </p:spPr>
-          <p:txBody>
-            <a:bodyPr wrap="none" rtlCol="0">
-              <a:spAutoFit/>
-            </a:bodyPr>
-            <a:lstStyle/>
-            <a:p>
-              <a:r>
-                <a:rPr lang="en-US" altLang="ko-KR" sz="1400" dirty="0">
-                  <a:solidFill>
-                    <a:prstClr val="black"/>
-                  </a:solidFill>
-                  <a:latin typeface="Courier" pitchFamily="49" charset="0"/>
-                  <a:ea typeface="맑은 고딕" pitchFamily="50" charset="-127"/>
-                </a:rPr>
-                <a:t>108</a:t>
-              </a:r>
-            </a:p>
-            <a:p>
-              <a:r>
-                <a:rPr lang="en-US" altLang="ko-KR" sz="1400" dirty="0">
-                  <a:solidFill>
-                    <a:prstClr val="black"/>
-                  </a:solidFill>
-                  <a:latin typeface="Courier" pitchFamily="49" charset="0"/>
-                  <a:ea typeface="맑은 고딕" pitchFamily="50" charset="-127"/>
-                </a:rPr>
-                <a:t>113</a:t>
-              </a:r>
-            </a:p>
-          </p:txBody>
-        </p:sp>
-        <p:sp>
-          <p:nvSpPr>
-            <p:cNvPr id="27" name="TextBox 26"/>
-            <p:cNvSpPr txBox="1"/>
-            <p:nvPr/>
-          </p:nvSpPr>
-          <p:spPr>
-            <a:xfrm>
-              <a:off x="6801434" y="5559542"/>
-              <a:ext cx="399468" cy="523220"/>
-            </a:xfrm>
-            <a:prstGeom prst="rect">
-              <a:avLst/>
-            </a:prstGeom>
-            <a:noFill/>
-          </p:spPr>
-          <p:txBody>
-            <a:bodyPr wrap="none" rtlCol="0">
-              <a:spAutoFit/>
-            </a:bodyPr>
-            <a:lstStyle/>
-            <a:p>
-              <a:r>
-                <a:rPr lang="en-US" altLang="ko-KR" sz="1400" dirty="0">
-                  <a:solidFill>
-                    <a:prstClr val="black"/>
-                  </a:solidFill>
-                  <a:latin typeface="Courier" pitchFamily="49" charset="0"/>
-                  <a:ea typeface="맑은 고딕" pitchFamily="50" charset="-127"/>
-                </a:rPr>
-                <a:t>51</a:t>
-              </a:r>
-            </a:p>
-            <a:p>
-              <a:r>
-                <a:rPr lang="en-US" altLang="ko-KR" sz="1400" dirty="0">
-                  <a:solidFill>
-                    <a:prstClr val="black"/>
-                  </a:solidFill>
-                  <a:latin typeface="Courier" pitchFamily="49" charset="0"/>
-                  <a:ea typeface="맑은 고딕" pitchFamily="50" charset="-127"/>
-                </a:rPr>
-                <a:t>51</a:t>
-              </a:r>
-            </a:p>
-          </p:txBody>
-        </p:sp>
-        <p:sp>
-          <p:nvSpPr>
-            <p:cNvPr id="28" name="TextBox 27"/>
-            <p:cNvSpPr txBox="1"/>
-            <p:nvPr/>
-          </p:nvSpPr>
-          <p:spPr>
-            <a:xfrm>
-              <a:off x="7524328" y="5559542"/>
-              <a:ext cx="399468" cy="523220"/>
-            </a:xfrm>
-            <a:prstGeom prst="rect">
-              <a:avLst/>
-            </a:prstGeom>
-            <a:noFill/>
-          </p:spPr>
-          <p:txBody>
-            <a:bodyPr wrap="none" rtlCol="0">
-              <a:spAutoFit/>
-            </a:bodyPr>
-            <a:lstStyle/>
-            <a:p>
-              <a:r>
-                <a:rPr lang="en-US" altLang="ko-KR" sz="1400" dirty="0">
-                  <a:solidFill>
-                    <a:prstClr val="black"/>
-                  </a:solidFill>
-                  <a:latin typeface="Courier" pitchFamily="49" charset="0"/>
-                  <a:ea typeface="맑은 고딕" pitchFamily="50" charset="-127"/>
-                </a:rPr>
-                <a:t>50</a:t>
-              </a:r>
-            </a:p>
-            <a:p>
-              <a:r>
-                <a:rPr lang="en-US" altLang="ko-KR" sz="1400" b="1" dirty="0">
-                  <a:solidFill>
-                    <a:prstClr val="black"/>
-                  </a:solidFill>
-                  <a:latin typeface="Courier" pitchFamily="49" charset="0"/>
-                  <a:ea typeface="맑은 고딕" pitchFamily="50" charset="-127"/>
-                </a:rPr>
-                <a:t>51</a:t>
-              </a:r>
-            </a:p>
-          </p:txBody>
-        </p:sp>
-        <p:sp>
-          <p:nvSpPr>
-            <p:cNvPr id="29" name="TextBox 28"/>
-            <p:cNvSpPr txBox="1"/>
-            <p:nvPr/>
-          </p:nvSpPr>
-          <p:spPr>
-            <a:xfrm>
-              <a:off x="6245768" y="2348880"/>
-              <a:ext cx="1791581" cy="338554"/>
-            </a:xfrm>
-            <a:prstGeom prst="rect">
-              <a:avLst/>
-            </a:prstGeom>
-            <a:noFill/>
-          </p:spPr>
-          <p:txBody>
-            <a:bodyPr wrap="none" rtlCol="0">
-              <a:spAutoFit/>
-            </a:bodyPr>
-            <a:lstStyle/>
-            <a:p>
-              <a:r>
-                <a:rPr lang="en-US" altLang="ko-KR" sz="1600" dirty="0">
-                  <a:solidFill>
-                    <a:prstClr val="black"/>
-                  </a:solidFill>
-                  <a:latin typeface="맑은 고딕" pitchFamily="50" charset="-127"/>
-                  <a:ea typeface="맑은 고딕" pitchFamily="50" charset="-127"/>
-                </a:rPr>
-                <a:t>(</a:t>
-              </a:r>
-              <a:r>
-                <a:rPr lang="en-US" altLang="ko-KR" sz="1600">
-                  <a:solidFill>
-                    <a:prstClr val="black"/>
-                  </a:solidFill>
-                  <a:latin typeface="맑은 고딕" pitchFamily="50" charset="-127"/>
-                  <a:ea typeface="맑은 고딕" pitchFamily="50" charset="-127"/>
-                </a:rPr>
-                <a:t>after instruction)</a:t>
-              </a:r>
-              <a:endParaRPr lang="en-US" altLang="ko-KR" sz="1600" dirty="0">
-                <a:solidFill>
-                  <a:prstClr val="black"/>
-                </a:solidFill>
-                <a:latin typeface="맑은 고딕" pitchFamily="50" charset="-127"/>
-                <a:ea typeface="맑은 고딕" pitchFamily="50" charset="-127"/>
-              </a:endParaRPr>
-            </a:p>
-          </p:txBody>
-        </p:sp>
-      </p:grpSp>
       <p:sp>
         <p:nvSpPr>
-          <p:cNvPr id="32" name="직사각형 31"/>
-          <p:cNvSpPr/>
-          <p:nvPr/>
+          <p:cNvPr id="4" name="Content Placeholder 3">
+            <a:extLst>
+              <a:ext uri="{FF2B5EF4-FFF2-40B4-BE49-F238E27FC236}">
+                <a16:creationId xmlns:a16="http://schemas.microsoft.com/office/drawing/2014/main" id="{7D4CDA83-7FCA-483D-A5B6-993D9C2F6507}"/>
+              </a:ext>
+            </a:extLst>
+          </p:cNvPr>
+          <p:cNvSpPr>
+            <a:spLocks noGrp="1"/>
+          </p:cNvSpPr>
+          <p:nvPr>
+            <p:ph idx="1"/>
+          </p:nvPr>
         </p:nvSpPr>
-        <p:spPr>
-          <a:xfrm>
-            <a:off x="9048328" y="5929536"/>
-            <a:ext cx="399468" cy="235769"/>
-          </a:xfrm>
-          <a:prstGeom prst="rect">
-            <a:avLst/>
-          </a:prstGeom>
-          <a:noFill/>
-          <a:ln w="9525">
-            <a:solidFill>
-              <a:srgbClr val="FF0000"/>
-            </a:solidFill>
-          </a:ln>
-          <a:effectLst/>
-        </p:spPr>
-        <p:style>
-          <a:lnRef idx="3">
-            <a:schemeClr val="lt1"/>
-          </a:lnRef>
-          <a:fillRef idx="1">
-            <a:schemeClr val="accent1"/>
-          </a:fillRef>
-          <a:effectRef idx="1">
-            <a:schemeClr val="accent1"/>
-          </a:effectRef>
-          <a:fontRef idx="minor">
-            <a:schemeClr val="lt1"/>
-          </a:fontRef>
-        </p:style>
+        <p:spPr/>
         <p:txBody>
-          <a:bodyPr lIns="252000" rtlCol="0" anchor="ctr"/>
+          <a:bodyPr/>
           <a:lstStyle/>
           <a:p>
-            <a:endParaRPr lang="ko-KR" altLang="en-US" sz="1600" dirty="0">
-              <a:solidFill>
-                <a:srgbClr val="00B050"/>
-              </a:solidFill>
-              <a:latin typeface="Courier New" pitchFamily="49" charset="0"/>
-              <a:ea typeface="맑은 고딕" pitchFamily="50" charset="-127"/>
-              <a:cs typeface="Courier New" pitchFamily="49" charset="0"/>
-            </a:endParaRPr>
+            <a:pPr marL="457200" indent="-457200">
+              <a:buFont typeface="+mj-lt"/>
+              <a:buAutoNum type="arabicPeriod"/>
+            </a:pPr>
+            <a:r>
+              <a:rPr lang="en-US" dirty="0"/>
+              <a:t>Parallelism</a:t>
+            </a:r>
+          </a:p>
+          <a:p>
+            <a:pPr marL="857250" lvl="1" indent="-457200"/>
+            <a:r>
+              <a:rPr lang="en-US" dirty="0"/>
+              <a:t>Speeds up computations</a:t>
+            </a:r>
+          </a:p>
+          <a:p>
+            <a:pPr marL="457200" indent="-457200">
+              <a:buFont typeface="+mj-lt"/>
+              <a:buAutoNum type="arabicPeriod"/>
+            </a:pPr>
+            <a:r>
+              <a:rPr lang="en-US" dirty="0"/>
+              <a:t>Avoid blocking a process’ progress due to slow I/O</a:t>
+            </a:r>
+          </a:p>
+          <a:p>
+            <a:pPr marL="857250" lvl="1" indent="-457200"/>
+            <a:r>
+              <a:rPr lang="en-PH" dirty="0"/>
+              <a:t>Enables the overlap of I/O and computations </a:t>
+            </a:r>
+            <a:r>
+              <a:rPr lang="en-PH" dirty="0">
+                <a:solidFill>
+                  <a:schemeClr val="accent2"/>
+                </a:solidFill>
+              </a:rPr>
+              <a:t>within a process</a:t>
+            </a:r>
+          </a:p>
+          <a:p>
+            <a:pPr marL="857250" lvl="1" indent="-457200"/>
+            <a:r>
+              <a:rPr lang="en-PH" dirty="0"/>
+              <a:t>Ex. Spell-checking using a background thread in a word processor</a:t>
+            </a:r>
           </a:p>
         </p:txBody>
       </p:sp>
     </p:spTree>
     <p:extLst>
       <p:ext uri="{BB962C8B-B14F-4D97-AF65-F5344CB8AC3E}">
-        <p14:creationId xmlns:p14="http://schemas.microsoft.com/office/powerpoint/2010/main" val="2603141898"/>
+        <p14:creationId xmlns:p14="http://schemas.microsoft.com/office/powerpoint/2010/main" val="2919004977"/>
       </p:ext>
     </p:extLst>
   </p:cSld>
@@ -5721,7 +7032,13 @@
       </p:grpSpPr>
       <p:sp>
         <p:nvSpPr>
-          <p:cNvPr id="2" name="제목 1"/>
+          <p:cNvPr id="3" name="Title 2">
+            <a:extLst>
+              <a:ext uri="{FF2B5EF4-FFF2-40B4-BE49-F238E27FC236}">
+                <a16:creationId xmlns:a16="http://schemas.microsoft.com/office/drawing/2014/main" id="{666786CD-CB4C-4151-AE02-BC9C8DF1BA1E}"/>
+              </a:ext>
+            </a:extLst>
+          </p:cNvPr>
           <p:cNvSpPr>
             <a:spLocks noGrp="1"/>
           </p:cNvSpPr>
@@ -5735,16 +7052,22 @@
           <a:lstStyle/>
           <a:p>
             <a:r>
-              <a:rPr lang="en-US" altLang="ko-KR" dirty="0"/>
-              <a:t>Critical section</a:t>
-            </a:r>
-            <a:endParaRPr lang="ko-KR" altLang="en-US" dirty="0"/>
+              <a:rPr lang="en-US" dirty="0"/>
+              <a:t>Thread Creation Example</a:t>
+            </a:r>
+            <a:endParaRPr lang="en-PH" dirty="0"/>
           </a:p>
         </p:txBody>
       </p:sp>
       <p:sp>
         <p:nvSpPr>
-          <p:cNvPr id="3" name="내용 개체 틀 2"/>
+          <p:cNvPr id="4" name="Content Placeholder 3">
+            <a:extLst>
+              <a:ext uri="{FF2B5EF4-FFF2-40B4-BE49-F238E27FC236}">
+                <a16:creationId xmlns:a16="http://schemas.microsoft.com/office/drawing/2014/main" id="{BD2E4F69-6BCC-4A93-A58C-13BF9494A983}"/>
+              </a:ext>
+            </a:extLst>
+          </p:cNvPr>
           <p:cNvSpPr>
             <a:spLocks noGrp="1"/>
           </p:cNvSpPr>
@@ -5757,62 +7080,43 @@
           <a:bodyPr/>
           <a:lstStyle/>
           <a:p>
-            <a:r>
-              <a:rPr lang="en-US" altLang="ko-KR" dirty="0"/>
-              <a:t>A piece of code that </a:t>
-            </a:r>
-            <a:r>
-              <a:rPr lang="en-US" altLang="ko-KR" dirty="0">
-                <a:solidFill>
-                  <a:schemeClr val="accent6">
-                    <a:lumMod val="75000"/>
-                  </a:schemeClr>
-                </a:solidFill>
-              </a:rPr>
-              <a:t>accesses a shared variable </a:t>
-            </a:r>
-            <a:r>
-              <a:rPr lang="en-US" altLang="ko-KR" dirty="0"/>
-              <a:t>and must not be concurrently executed by more than one thread.</a:t>
-            </a:r>
-          </a:p>
-          <a:p>
-            <a:pPr lvl="1"/>
-            <a:r>
-              <a:rPr lang="en-US" altLang="ko-KR" dirty="0"/>
-              <a:t>Multiple threads executing critical section can result in a race condition.</a:t>
-            </a:r>
-          </a:p>
-          <a:p>
-            <a:pPr lvl="1"/>
-            <a:r>
-              <a:rPr lang="en-US" altLang="ko-KR" dirty="0"/>
-              <a:t>Need to support </a:t>
-            </a:r>
-            <a:r>
-              <a:rPr lang="en-US" altLang="ko-KR" b="1" dirty="0"/>
-              <a:t>atomicity</a:t>
-            </a:r>
-            <a:r>
-              <a:rPr lang="en-US" altLang="ko-KR" dirty="0"/>
-              <a:t> for critical sections (</a:t>
-            </a:r>
-            <a:r>
-              <a:rPr lang="en-US" altLang="ko-KR" b="1" dirty="0"/>
-              <a:t>mutual exclusion</a:t>
-            </a:r>
-            <a:r>
-              <a:rPr lang="en-US" altLang="ko-KR" dirty="0"/>
-              <a:t>)</a:t>
-            </a:r>
-            <a:endParaRPr lang="ko-KR" altLang="en-US" dirty="0"/>
+            <a:endParaRPr lang="en-PH" dirty="0"/>
           </a:p>
         </p:txBody>
       </p:sp>
+      <p:pic>
+        <p:nvPicPr>
+          <p:cNvPr id="6" name="Picture 5">
+            <a:extLst>
+              <a:ext uri="{FF2B5EF4-FFF2-40B4-BE49-F238E27FC236}">
+                <a16:creationId xmlns:a16="http://schemas.microsoft.com/office/drawing/2014/main" id="{C4957385-2F08-4E2B-9233-9E91DC5BDDE8}"/>
+              </a:ext>
+            </a:extLst>
+          </p:cNvPr>
+          <p:cNvPicPr>
+            <a:picLocks noChangeAspect="1"/>
+          </p:cNvPicPr>
+          <p:nvPr/>
+        </p:nvPicPr>
+        <p:blipFill rotWithShape="1">
+          <a:blip r:embed="rId2"/>
+          <a:srcRect t="4888" b="994"/>
+          <a:stretch/>
+        </p:blipFill>
+        <p:spPr>
+          <a:xfrm>
+            <a:off x="2736313" y="885952"/>
+            <a:ext cx="6719373" cy="5544615"/>
+          </a:xfrm>
+          <a:prstGeom prst="rect">
+            <a:avLst/>
+          </a:prstGeom>
+        </p:spPr>
+      </p:pic>
     </p:spTree>
     <p:extLst>
       <p:ext uri="{BB962C8B-B14F-4D97-AF65-F5344CB8AC3E}">
-        <p14:creationId xmlns:p14="http://schemas.microsoft.com/office/powerpoint/2010/main" val="2919720480"/>
+        <p14:creationId xmlns:p14="http://schemas.microsoft.com/office/powerpoint/2010/main" val="3366580754"/>
       </p:ext>
     </p:extLst>
   </p:cSld>
